--- a/Movie matchmaker.pptx
+++ b/Movie matchmaker.pptx
@@ -3049,7 +3049,7 @@
             <a:fld id="{87DE6118-2437-4B30-8E3C-4D2BE6020583}" type="datetimeFigureOut">
               <a:rPr lang="en-US" dirty="0"/>
               <a:pPr/>
-              <a:t>7/1/2019</a:t>
+              <a:t>7/2/2019</a:t>
             </a:fld>
             <a:endParaRPr lang="en-US" dirty="0"/>
           </a:p>
@@ -3375,7 +3375,7 @@
           <a:p>
             <a:fld id="{87DE6118-2437-4B30-8E3C-4D2BE6020583}" type="datetimeFigureOut">
               <a:rPr lang="en-US" dirty="0"/>
-              <a:t>7/1/2019</a:t>
+              <a:t>7/2/2019</a:t>
             </a:fld>
             <a:endParaRPr lang="en-US" dirty="0"/>
           </a:p>
@@ -3550,7 +3550,7 @@
           <a:p>
             <a:fld id="{87DE6118-2437-4B30-8E3C-4D2BE6020583}" type="datetimeFigureOut">
               <a:rPr lang="en-US" dirty="0"/>
-              <a:t>7/1/2019</a:t>
+              <a:t>7/2/2019</a:t>
             </a:fld>
             <a:endParaRPr lang="en-US" dirty="0"/>
           </a:p>
@@ -3715,7 +3715,7 @@
           <a:p>
             <a:fld id="{87DE6118-2437-4B30-8E3C-4D2BE6020583}" type="datetimeFigureOut">
               <a:rPr lang="en-US" dirty="0"/>
-              <a:t>7/1/2019</a:t>
+              <a:t>7/2/2019</a:t>
             </a:fld>
             <a:endParaRPr lang="en-US" dirty="0"/>
           </a:p>
@@ -3988,7 +3988,7 @@
             <a:fld id="{87DE6118-2437-4B30-8E3C-4D2BE6020583}" type="datetimeFigureOut">
               <a:rPr lang="en-US" dirty="0"/>
               <a:pPr/>
-              <a:t>7/1/2019</a:t>
+              <a:t>7/2/2019</a:t>
             </a:fld>
             <a:endParaRPr lang="en-US" dirty="0"/>
           </a:p>
@@ -4378,7 +4378,7 @@
           <a:p>
             <a:fld id="{87DE6118-2437-4B30-8E3C-4D2BE6020583}" type="datetimeFigureOut">
               <a:rPr lang="en-US" dirty="0"/>
-              <a:t>7/1/2019</a:t>
+              <a:t>7/2/2019</a:t>
             </a:fld>
             <a:endParaRPr lang="en-US" dirty="0"/>
           </a:p>
@@ -4850,7 +4850,7 @@
           <a:p>
             <a:fld id="{87DE6118-2437-4B30-8E3C-4D2BE6020583}" type="datetimeFigureOut">
               <a:rPr lang="en-US" dirty="0"/>
-              <a:t>7/1/2019</a:t>
+              <a:t>7/2/2019</a:t>
             </a:fld>
             <a:endParaRPr lang="en-US" dirty="0"/>
           </a:p>
@@ -4963,7 +4963,7 @@
           <a:p>
             <a:fld id="{87DE6118-2437-4B30-8E3C-4D2BE6020583}" type="datetimeFigureOut">
               <a:rPr lang="en-US" dirty="0"/>
-              <a:t>7/1/2019</a:t>
+              <a:t>7/2/2019</a:t>
             </a:fld>
             <a:endParaRPr lang="en-US" dirty="0"/>
           </a:p>
@@ -5053,7 +5053,7 @@
           <a:p>
             <a:fld id="{87DE6118-2437-4B30-8E3C-4D2BE6020583}" type="datetimeFigureOut">
               <a:rPr lang="en-US" dirty="0"/>
-              <a:t>7/1/2019</a:t>
+              <a:t>7/2/2019</a:t>
             </a:fld>
             <a:endParaRPr lang="en-US" dirty="0"/>
           </a:p>
@@ -5395,7 +5395,7 @@
             <a:fld id="{87DE6118-2437-4B30-8E3C-4D2BE6020583}" type="datetimeFigureOut">
               <a:rPr lang="en-US" dirty="0"/>
               <a:pPr/>
-              <a:t>7/1/2019</a:t>
+              <a:t>7/2/2019</a:t>
             </a:fld>
             <a:endParaRPr lang="en-US" dirty="0"/>
           </a:p>
@@ -5780,7 +5780,7 @@
             <a:fld id="{87DE6118-2437-4B30-8E3C-4D2BE6020583}" type="datetimeFigureOut">
               <a:rPr lang="en-US" dirty="0"/>
               <a:pPr/>
-              <a:t>7/1/2019</a:t>
+              <a:t>7/2/2019</a:t>
             </a:fld>
             <a:endParaRPr lang="en-US" dirty="0"/>
           </a:p>
@@ -6055,7 +6055,7 @@
             <a:fld id="{87DE6118-2437-4B30-8E3C-4D2BE6020583}" type="datetimeFigureOut">
               <a:rPr lang="en-US" dirty="0"/>
               <a:pPr/>
-              <a:t>7/1/2019</a:t>
+              <a:t>7/2/2019</a:t>
             </a:fld>
             <a:endParaRPr lang="en-US" dirty="0"/>
           </a:p>
@@ -6941,16 +6941,13 @@
           <a:lstStyle/>
           <a:p>
             <a:r>
-              <a:rPr lang="en-US" sz="3800" dirty="0"/>
-              <a:t>Technologies Used </a:t>
+              <a:rPr lang="en-US" sz="4900" u="sng" dirty="0"/>
+              <a:t>Technologies Used:</a:t>
             </a:r>
             <a:br>
               <a:rPr lang="en-US" sz="3800" dirty="0"/>
             </a:br>
-            <a:r>
-              <a:rPr lang="en-US" sz="3800" dirty="0"/>
-              <a:t>&amp; Machine Learning Model</a:t>
-            </a:r>
+            <a:endParaRPr lang="en-US" sz="3800" dirty="0"/>
           </a:p>
         </p:txBody>
       </p:sp>
@@ -6972,7 +6969,7 @@
         </p:nvSpPr>
         <p:spPr>
           <a:xfrm>
-            <a:off x="1371600" y="2027583"/>
+            <a:off x="1371600" y="1620196"/>
             <a:ext cx="9601200" cy="3839817"/>
           </a:xfrm>
         </p:spPr>
@@ -6982,13 +6979,77 @@
           <a:p>
             <a:r>
               <a:rPr lang="en-US" dirty="0"/>
-              <a:t>PostgreSQL</a:t>
+              <a:t>Splinter: web scraping</a:t>
             </a:r>
           </a:p>
           <a:p>
             <a:r>
               <a:rPr lang="en-US" dirty="0"/>
-              <a:t>S3 Bucket: stores images</a:t>
+              <a:t>Pandas; &amp; </a:t>
+            </a:r>
+            <a:r>
+              <a:rPr lang="en-US" dirty="0" err="1"/>
+              <a:t>pgAdmin</a:t>
+            </a:r>
+            <a:r>
+              <a:rPr lang="en-US" dirty="0"/>
+              <a:t>: data wrangling</a:t>
+            </a:r>
+          </a:p>
+          <a:p>
+            <a:r>
+              <a:rPr lang="en-US" dirty="0"/>
+              <a:t>PostgreSQL &amp; S3 Bucket: stores images</a:t>
+            </a:r>
+          </a:p>
+          <a:p>
+            <a:r>
+              <a:rPr lang="en-US" dirty="0" err="1"/>
+              <a:t>Scikitlearn</a:t>
+            </a:r>
+            <a:r>
+              <a:rPr lang="en-US" dirty="0"/>
+              <a:t>, </a:t>
+            </a:r>
+            <a:r>
+              <a:rPr lang="en-US" dirty="0" err="1"/>
+              <a:t>scipy</a:t>
+            </a:r>
+            <a:r>
+              <a:rPr lang="en-US" dirty="0"/>
+              <a:t>, and </a:t>
+            </a:r>
+            <a:r>
+              <a:rPr lang="en-US" dirty="0" err="1"/>
+              <a:t>joblib</a:t>
+            </a:r>
+            <a:r>
+              <a:rPr lang="en-US" dirty="0"/>
+              <a:t>, fuzzy </a:t>
+            </a:r>
+            <a:r>
+              <a:rPr lang="en-US" dirty="0" err="1"/>
+              <a:t>wuzzy</a:t>
+            </a:r>
+            <a:r>
+              <a:rPr lang="en-US" dirty="0"/>
+              <a:t>: machine learning</a:t>
+            </a:r>
+          </a:p>
+          <a:p>
+            <a:r>
+              <a:rPr lang="en-US" dirty="0"/>
+              <a:t>Flask: backend</a:t>
+            </a:r>
+          </a:p>
+          <a:p>
+            <a:r>
+              <a:rPr lang="en-US" dirty="0" err="1"/>
+              <a:t>Javascript</a:t>
+            </a:r>
+            <a:r>
+              <a:rPr lang="en-US" dirty="0"/>
+              <a:t>, Bootstrap, HTML/CSS, jQuery: frontend/display</a:t>
             </a:r>
           </a:p>
           <a:p>
@@ -6998,24 +7059,277 @@
             </a:r>
           </a:p>
           <a:p>
-            <a:r>
-              <a:rPr lang="en-US" dirty="0"/>
-              <a:t>Python </a:t>
-            </a:r>
-          </a:p>
-          <a:p>
-            <a:pPr lvl="1"/>
-            <a:r>
-              <a:rPr lang="en-US" dirty="0" err="1"/>
-              <a:t>Sklearn</a:t>
-            </a:r>
-            <a:r>
-              <a:rPr lang="en-US" dirty="0"/>
-              <a:t> </a:t>
-            </a:r>
+            <a:pPr marL="0" indent="0">
+              <a:buNone/>
+            </a:pPr>
+            <a:endParaRPr lang="en-US" dirty="0"/>
           </a:p>
         </p:txBody>
       </p:sp>
+      <p:pic>
+        <p:nvPicPr>
+          <p:cNvPr id="5" name="Picture 4">
+            <a:extLst>
+              <a:ext uri="{FF2B5EF4-FFF2-40B4-BE49-F238E27FC236}">
+                <a16:creationId xmlns:a16="http://schemas.microsoft.com/office/drawing/2014/main" id="{52465226-B493-4A1A-8869-F192A8C6BE0B}"/>
+              </a:ext>
+            </a:extLst>
+          </p:cNvPr>
+          <p:cNvPicPr>
+            <a:picLocks noChangeAspect="1"/>
+          </p:cNvPicPr>
+          <p:nvPr/>
+        </p:nvPicPr>
+        <p:blipFill>
+          <a:blip r:embed="rId2">
+            <a:extLst>
+              <a:ext uri="{837473B0-CC2E-450A-ABE3-18F120FF3D39}">
+                <a1611:picAttrSrcUrl xmlns:a1611="http://schemas.microsoft.com/office/drawing/2016/11/main" r:id="rId3"/>
+              </a:ext>
+            </a:extLst>
+          </a:blip>
+          <a:stretch>
+            <a:fillRect/>
+          </a:stretch>
+        </p:blipFill>
+        <p:spPr>
+          <a:xfrm>
+            <a:off x="2510739" y="5596344"/>
+            <a:ext cx="1419237" cy="600972"/>
+          </a:xfrm>
+          <a:prstGeom prst="rect">
+            <a:avLst/>
+          </a:prstGeom>
+        </p:spPr>
+      </p:pic>
+      <p:pic>
+        <p:nvPicPr>
+          <p:cNvPr id="8" name="Picture 7">
+            <a:extLst>
+              <a:ext uri="{FF2B5EF4-FFF2-40B4-BE49-F238E27FC236}">
+                <a16:creationId xmlns:a16="http://schemas.microsoft.com/office/drawing/2014/main" id="{526211FC-B26E-41D5-B2A2-E86CBD65E15A}"/>
+              </a:ext>
+            </a:extLst>
+          </p:cNvPr>
+          <p:cNvPicPr>
+            <a:picLocks noChangeAspect="1"/>
+          </p:cNvPicPr>
+          <p:nvPr/>
+        </p:nvPicPr>
+        <p:blipFill>
+          <a:blip r:embed="rId4">
+            <a:extLst>
+              <a:ext uri="{837473B0-CC2E-450A-ABE3-18F120FF3D39}">
+                <a1611:picAttrSrcUrl xmlns:a1611="http://schemas.microsoft.com/office/drawing/2016/11/main" r:id="rId5"/>
+              </a:ext>
+            </a:extLst>
+          </a:blip>
+          <a:stretch>
+            <a:fillRect/>
+          </a:stretch>
+        </p:blipFill>
+        <p:spPr>
+          <a:xfrm>
+            <a:off x="4384797" y="5643545"/>
+            <a:ext cx="610553" cy="629887"/>
+          </a:xfrm>
+          <a:prstGeom prst="rect">
+            <a:avLst/>
+          </a:prstGeom>
+        </p:spPr>
+      </p:pic>
+      <p:pic>
+        <p:nvPicPr>
+          <p:cNvPr id="11" name="Picture 10">
+            <a:extLst>
+              <a:ext uri="{FF2B5EF4-FFF2-40B4-BE49-F238E27FC236}">
+                <a16:creationId xmlns:a16="http://schemas.microsoft.com/office/drawing/2014/main" id="{96A41EF2-9F9E-4815-9292-C7E0EF143A6A}"/>
+              </a:ext>
+            </a:extLst>
+          </p:cNvPr>
+          <p:cNvPicPr>
+            <a:picLocks noChangeAspect="1"/>
+          </p:cNvPicPr>
+          <p:nvPr/>
+        </p:nvPicPr>
+        <p:blipFill>
+          <a:blip r:embed="rId6">
+            <a:extLst>
+              <a:ext uri="{837473B0-CC2E-450A-ABE3-18F120FF3D39}">
+                <a1611:picAttrSrcUrl xmlns:a1611="http://schemas.microsoft.com/office/drawing/2016/11/main" r:id="rId7"/>
+              </a:ext>
+            </a:extLst>
+          </a:blip>
+          <a:stretch>
+            <a:fillRect/>
+          </a:stretch>
+        </p:blipFill>
+        <p:spPr>
+          <a:xfrm>
+            <a:off x="5295827" y="5526990"/>
+            <a:ext cx="1419237" cy="764023"/>
+          </a:xfrm>
+          <a:prstGeom prst="rect">
+            <a:avLst/>
+          </a:prstGeom>
+        </p:spPr>
+      </p:pic>
+      <p:pic>
+        <p:nvPicPr>
+          <p:cNvPr id="14" name="Picture 13">
+            <a:extLst>
+              <a:ext uri="{FF2B5EF4-FFF2-40B4-BE49-F238E27FC236}">
+                <a16:creationId xmlns:a16="http://schemas.microsoft.com/office/drawing/2014/main" id="{972D2550-ABE3-4FFA-957B-CB47AF18BB45}"/>
+              </a:ext>
+            </a:extLst>
+          </p:cNvPr>
+          <p:cNvPicPr>
+            <a:picLocks noChangeAspect="1"/>
+          </p:cNvPicPr>
+          <p:nvPr/>
+        </p:nvPicPr>
+        <p:blipFill>
+          <a:blip r:embed="rId8">
+            <a:extLst>
+              <a:ext uri="{837473B0-CC2E-450A-ABE3-18F120FF3D39}">
+                <a1611:picAttrSrcUrl xmlns:a1611="http://schemas.microsoft.com/office/drawing/2016/11/main" r:id="rId9"/>
+              </a:ext>
+            </a:extLst>
+          </a:blip>
+          <a:stretch>
+            <a:fillRect/>
+          </a:stretch>
+        </p:blipFill>
+        <p:spPr>
+          <a:xfrm>
+            <a:off x="6896174" y="5467807"/>
+            <a:ext cx="812801" cy="799186"/>
+          </a:xfrm>
+          <a:prstGeom prst="rect">
+            <a:avLst/>
+          </a:prstGeom>
+        </p:spPr>
+      </p:pic>
+      <p:pic>
+        <p:nvPicPr>
+          <p:cNvPr id="17" name="Picture 16">
+            <a:extLst>
+              <a:ext uri="{FF2B5EF4-FFF2-40B4-BE49-F238E27FC236}">
+                <a16:creationId xmlns:a16="http://schemas.microsoft.com/office/drawing/2014/main" id="{A19C5B02-5A16-45CB-8162-CB7FA9666C7D}"/>
+              </a:ext>
+            </a:extLst>
+          </p:cNvPr>
+          <p:cNvPicPr>
+            <a:picLocks noChangeAspect="1"/>
+          </p:cNvPicPr>
+          <p:nvPr/>
+        </p:nvPicPr>
+        <p:blipFill>
+          <a:blip r:embed="rId10">
+            <a:extLst>
+              <a:ext uri="{837473B0-CC2E-450A-ABE3-18F120FF3D39}">
+                <a1611:picAttrSrcUrl xmlns:a1611="http://schemas.microsoft.com/office/drawing/2016/11/main" r:id="rId11"/>
+              </a:ext>
+            </a:extLst>
+          </a:blip>
+          <a:stretch>
+            <a:fillRect/>
+          </a:stretch>
+        </p:blipFill>
+        <p:spPr>
+          <a:xfrm>
+            <a:off x="7926572" y="5533758"/>
+            <a:ext cx="1665369" cy="750488"/>
+          </a:xfrm>
+          <a:prstGeom prst="rect">
+            <a:avLst/>
+          </a:prstGeom>
+        </p:spPr>
+      </p:pic>
+      <p:sp>
+        <p:nvSpPr>
+          <p:cNvPr id="21" name="TextBox 20">
+            <a:extLst>
+              <a:ext uri="{FF2B5EF4-FFF2-40B4-BE49-F238E27FC236}">
+                <a16:creationId xmlns:a16="http://schemas.microsoft.com/office/drawing/2014/main" id="{388A6E5B-F334-4A5E-B2DD-89625EFDAE07}"/>
+              </a:ext>
+            </a:extLst>
+          </p:cNvPr>
+          <p:cNvSpPr txBox="1"/>
+          <p:nvPr/>
+        </p:nvSpPr>
+        <p:spPr>
+          <a:xfrm>
+            <a:off x="381000" y="6848475"/>
+            <a:ext cx="11430000" cy="230832"/>
+          </a:xfrm>
+          <a:prstGeom prst="rect">
+            <a:avLst/>
+          </a:prstGeom>
+          <a:noFill/>
+        </p:spPr>
+        <p:txBody>
+          <a:bodyPr wrap="square" rtlCol="0">
+            <a:spAutoFit/>
+          </a:bodyPr>
+          <a:lstStyle/>
+          <a:p>
+            <a:r>
+              <a:rPr lang="en-US" sz="900">
+                <a:hlinkClick r:id="rId12" tooltip="https://en.wikipedia.org/wiki/Amazon_Web_Services"/>
+              </a:rPr>
+              <a:t>This Photo</a:t>
+            </a:r>
+            <a:r>
+              <a:rPr lang="en-US" sz="900"/>
+              <a:t> by Unknown Author is licensed under </a:t>
+            </a:r>
+            <a:r>
+              <a:rPr lang="en-US" sz="900">
+                <a:hlinkClick r:id="rId13" tooltip="https://creativecommons.org/licenses/by-sa/3.0/"/>
+              </a:rPr>
+              <a:t>CC BY-SA</a:t>
+            </a:r>
+            <a:endParaRPr lang="en-US" sz="900"/>
+          </a:p>
+        </p:txBody>
+      </p:sp>
+      <p:pic>
+        <p:nvPicPr>
+          <p:cNvPr id="23" name="Picture 22">
+            <a:extLst>
+              <a:ext uri="{FF2B5EF4-FFF2-40B4-BE49-F238E27FC236}">
+                <a16:creationId xmlns:a16="http://schemas.microsoft.com/office/drawing/2014/main" id="{9BCE8936-E5A5-435E-9857-99B63CDF6AE6}"/>
+              </a:ext>
+            </a:extLst>
+          </p:cNvPr>
+          <p:cNvPicPr>
+            <a:picLocks noChangeAspect="1"/>
+          </p:cNvPicPr>
+          <p:nvPr/>
+        </p:nvPicPr>
+        <p:blipFill>
+          <a:blip r:embed="rId14">
+            <a:extLst>
+              <a:ext uri="{837473B0-CC2E-450A-ABE3-18F120FF3D39}">
+                <a1611:picAttrSrcUrl xmlns:a1611="http://schemas.microsoft.com/office/drawing/2016/11/main" r:id="rId15"/>
+              </a:ext>
+            </a:extLst>
+          </a:blip>
+          <a:stretch>
+            <a:fillRect/>
+          </a:stretch>
+        </p:blipFill>
+        <p:spPr>
+          <a:xfrm>
+            <a:off x="9884751" y="5370950"/>
+            <a:ext cx="1871297" cy="824679"/>
+          </a:xfrm>
+          <a:prstGeom prst="rect">
+            <a:avLst/>
+          </a:prstGeom>
+        </p:spPr>
+      </p:pic>
     </p:spTree>
     <p:extLst>
       <p:ext uri="{BB962C8B-B14F-4D97-AF65-F5344CB8AC3E}">
@@ -7163,7 +7477,7 @@
           <a:p>
             <a:r>
               <a:rPr lang="en-US" dirty="0"/>
-              <a:t>Filtered to include only movies reviewed 75x or more leaving us with 26.8 reviews</a:t>
+              <a:t>Filtered to include only movies reviewed 75x or more leaving us with 26.8 million reviews</a:t>
             </a:r>
           </a:p>
           <a:p>

--- a/Movie matchmaker.pptx
+++ b/Movie matchmaker.pptx
@@ -9,9 +9,11 @@
     <p:sldId id="257" r:id="rId3"/>
     <p:sldId id="268" r:id="rId4"/>
     <p:sldId id="258" r:id="rId5"/>
-    <p:sldId id="267" r:id="rId6"/>
-    <p:sldId id="259" r:id="rId7"/>
-    <p:sldId id="266" r:id="rId8"/>
+    <p:sldId id="271" r:id="rId6"/>
+    <p:sldId id="273" r:id="rId7"/>
+    <p:sldId id="274" r:id="rId8"/>
+    <p:sldId id="259" r:id="rId9"/>
+    <p:sldId id="266" r:id="rId10"/>
   </p:sldIdLst>
   <p:sldSz cx="12192000" cy="6858000"/>
   <p:notesSz cx="6858000" cy="9144000"/>
@@ -116,2767 +118,6 @@
     </p:ext>
   </p:extLst>
 </p:presentation>
-</file>
-
-<file path=ppt/diagrams/colors1.xml><?xml version="1.0" encoding="utf-8"?>
-<dgm:colorsDef xmlns:dgm="http://schemas.openxmlformats.org/drawingml/2006/diagram" xmlns:a="http://schemas.openxmlformats.org/drawingml/2006/main" uniqueId="urn:microsoft.com/office/officeart/2005/8/colors/accent1_2">
-  <dgm:title val=""/>
-  <dgm:desc val=""/>
-  <dgm:catLst>
-    <dgm:cat type="accent1" pri="11200"/>
-  </dgm:catLst>
-  <dgm:styleLbl name="node0">
-    <dgm:fillClrLst meth="repeat">
-      <a:schemeClr val="accent1"/>
-    </dgm:fillClrLst>
-    <dgm:linClrLst meth="repeat">
-      <a:schemeClr val="lt1"/>
-    </dgm:linClrLst>
-    <dgm:effectClrLst/>
-    <dgm:txLinClrLst/>
-    <dgm:txFillClrLst/>
-    <dgm:txEffectClrLst/>
-  </dgm:styleLbl>
-  <dgm:styleLbl name="alignNode1">
-    <dgm:fillClrLst meth="repeat">
-      <a:schemeClr val="accent1"/>
-    </dgm:fillClrLst>
-    <dgm:linClrLst meth="repeat">
-      <a:schemeClr val="accent1"/>
-    </dgm:linClrLst>
-    <dgm:effectClrLst/>
-    <dgm:txLinClrLst/>
-    <dgm:txFillClrLst/>
-    <dgm:txEffectClrLst/>
-  </dgm:styleLbl>
-  <dgm:styleLbl name="node1">
-    <dgm:fillClrLst meth="repeat">
-      <a:schemeClr val="accent1"/>
-    </dgm:fillClrLst>
-    <dgm:linClrLst meth="repeat">
-      <a:schemeClr val="lt1"/>
-    </dgm:linClrLst>
-    <dgm:effectClrLst/>
-    <dgm:txLinClrLst/>
-    <dgm:txFillClrLst/>
-    <dgm:txEffectClrLst/>
-  </dgm:styleLbl>
-  <dgm:styleLbl name="lnNode1">
-    <dgm:fillClrLst meth="repeat">
-      <a:schemeClr val="accent1"/>
-    </dgm:fillClrLst>
-    <dgm:linClrLst meth="repeat">
-      <a:schemeClr val="lt1"/>
-    </dgm:linClrLst>
-    <dgm:effectClrLst/>
-    <dgm:txLinClrLst/>
-    <dgm:txFillClrLst/>
-    <dgm:txEffectClrLst/>
-  </dgm:styleLbl>
-  <dgm:styleLbl name="vennNode1">
-    <dgm:fillClrLst meth="repeat">
-      <a:schemeClr val="accent1">
-        <a:alpha val="50000"/>
-      </a:schemeClr>
-    </dgm:fillClrLst>
-    <dgm:linClrLst meth="repeat">
-      <a:schemeClr val="lt1"/>
-    </dgm:linClrLst>
-    <dgm:effectClrLst/>
-    <dgm:txLinClrLst/>
-    <dgm:txFillClrLst/>
-    <dgm:txEffectClrLst/>
-  </dgm:styleLbl>
-  <dgm:styleLbl name="node2">
-    <dgm:fillClrLst meth="repeat">
-      <a:schemeClr val="accent1"/>
-    </dgm:fillClrLst>
-    <dgm:linClrLst meth="repeat">
-      <a:schemeClr val="lt1"/>
-    </dgm:linClrLst>
-    <dgm:effectClrLst/>
-    <dgm:txLinClrLst/>
-    <dgm:txFillClrLst/>
-    <dgm:txEffectClrLst/>
-  </dgm:styleLbl>
-  <dgm:styleLbl name="node3">
-    <dgm:fillClrLst meth="repeat">
-      <a:schemeClr val="accent1"/>
-    </dgm:fillClrLst>
-    <dgm:linClrLst meth="repeat">
-      <a:schemeClr val="lt1"/>
-    </dgm:linClrLst>
-    <dgm:effectClrLst/>
-    <dgm:txLinClrLst/>
-    <dgm:txFillClrLst/>
-    <dgm:txEffectClrLst/>
-  </dgm:styleLbl>
-  <dgm:styleLbl name="node4">
-    <dgm:fillClrLst meth="repeat">
-      <a:schemeClr val="accent1"/>
-    </dgm:fillClrLst>
-    <dgm:linClrLst meth="repeat">
-      <a:schemeClr val="lt1"/>
-    </dgm:linClrLst>
-    <dgm:effectClrLst/>
-    <dgm:txLinClrLst/>
-    <dgm:txFillClrLst/>
-    <dgm:txEffectClrLst/>
-  </dgm:styleLbl>
-  <dgm:styleLbl name="fgImgPlace1">
-    <dgm:fillClrLst meth="repeat">
-      <a:schemeClr val="accent1">
-        <a:tint val="50000"/>
-      </a:schemeClr>
-    </dgm:fillClrLst>
-    <dgm:linClrLst meth="repeat">
-      <a:schemeClr val="lt1"/>
-    </dgm:linClrLst>
-    <dgm:effectClrLst/>
-    <dgm:txLinClrLst/>
-    <dgm:txFillClrLst meth="repeat">
-      <a:schemeClr val="lt1"/>
-    </dgm:txFillClrLst>
-    <dgm:txEffectClrLst/>
-  </dgm:styleLbl>
-  <dgm:styleLbl name="alignImgPlace1">
-    <dgm:fillClrLst meth="repeat">
-      <a:schemeClr val="accent1">
-        <a:tint val="50000"/>
-      </a:schemeClr>
-    </dgm:fillClrLst>
-    <dgm:linClrLst meth="repeat">
-      <a:schemeClr val="lt1"/>
-    </dgm:linClrLst>
-    <dgm:effectClrLst/>
-    <dgm:txLinClrLst/>
-    <dgm:txFillClrLst meth="repeat">
-      <a:schemeClr val="lt1"/>
-    </dgm:txFillClrLst>
-    <dgm:txEffectClrLst/>
-  </dgm:styleLbl>
-  <dgm:styleLbl name="bgImgPlace1">
-    <dgm:fillClrLst meth="repeat">
-      <a:schemeClr val="accent1">
-        <a:tint val="50000"/>
-      </a:schemeClr>
-    </dgm:fillClrLst>
-    <dgm:linClrLst meth="repeat">
-      <a:schemeClr val="lt1"/>
-    </dgm:linClrLst>
-    <dgm:effectClrLst/>
-    <dgm:txLinClrLst/>
-    <dgm:txFillClrLst meth="repeat">
-      <a:schemeClr val="lt1"/>
-    </dgm:txFillClrLst>
-    <dgm:txEffectClrLst/>
-  </dgm:styleLbl>
-  <dgm:styleLbl name="sibTrans2D1">
-    <dgm:fillClrLst meth="repeat">
-      <a:schemeClr val="accent1">
-        <a:tint val="60000"/>
-      </a:schemeClr>
-    </dgm:fillClrLst>
-    <dgm:linClrLst meth="repeat">
-      <a:schemeClr val="accent1">
-        <a:tint val="60000"/>
-      </a:schemeClr>
-    </dgm:linClrLst>
-    <dgm:effectClrLst/>
-    <dgm:txLinClrLst/>
-    <dgm:txFillClrLst/>
-    <dgm:txEffectClrLst/>
-  </dgm:styleLbl>
-  <dgm:styleLbl name="fgSibTrans2D1">
-    <dgm:fillClrLst meth="repeat">
-      <a:schemeClr val="accent1">
-        <a:tint val="60000"/>
-      </a:schemeClr>
-    </dgm:fillClrLst>
-    <dgm:linClrLst meth="repeat">
-      <a:schemeClr val="accent1">
-        <a:tint val="60000"/>
-      </a:schemeClr>
-    </dgm:linClrLst>
-    <dgm:effectClrLst/>
-    <dgm:txLinClrLst/>
-    <dgm:txFillClrLst/>
-    <dgm:txEffectClrLst/>
-  </dgm:styleLbl>
-  <dgm:styleLbl name="bgSibTrans2D1">
-    <dgm:fillClrLst meth="repeat">
-      <a:schemeClr val="accent1">
-        <a:tint val="60000"/>
-      </a:schemeClr>
-    </dgm:fillClrLst>
-    <dgm:linClrLst meth="repeat">
-      <a:schemeClr val="accent1">
-        <a:tint val="60000"/>
-      </a:schemeClr>
-    </dgm:linClrLst>
-    <dgm:effectClrLst/>
-    <dgm:txLinClrLst/>
-    <dgm:txFillClrLst/>
-    <dgm:txEffectClrLst/>
-  </dgm:styleLbl>
-  <dgm:styleLbl name="sibTrans1D1">
-    <dgm:fillClrLst meth="repeat">
-      <a:schemeClr val="accent1"/>
-    </dgm:fillClrLst>
-    <dgm:linClrLst meth="repeat">
-      <a:schemeClr val="accent1"/>
-    </dgm:linClrLst>
-    <dgm:effectClrLst/>
-    <dgm:txLinClrLst/>
-    <dgm:txFillClrLst meth="repeat">
-      <a:schemeClr val="tx1"/>
-    </dgm:txFillClrLst>
-    <dgm:txEffectClrLst/>
-  </dgm:styleLbl>
-  <dgm:styleLbl name="callout">
-    <dgm:fillClrLst meth="repeat">
-      <a:schemeClr val="accent1"/>
-    </dgm:fillClrLst>
-    <dgm:linClrLst meth="repeat">
-      <a:schemeClr val="accent1">
-        <a:tint val="50000"/>
-      </a:schemeClr>
-    </dgm:linClrLst>
-    <dgm:effectClrLst/>
-    <dgm:txLinClrLst/>
-    <dgm:txFillClrLst meth="repeat">
-      <a:schemeClr val="tx1"/>
-    </dgm:txFillClrLst>
-    <dgm:txEffectClrLst/>
-  </dgm:styleLbl>
-  <dgm:styleLbl name="asst0">
-    <dgm:fillClrLst meth="repeat">
-      <a:schemeClr val="accent1"/>
-    </dgm:fillClrLst>
-    <dgm:linClrLst meth="repeat">
-      <a:schemeClr val="lt1"/>
-    </dgm:linClrLst>
-    <dgm:effectClrLst/>
-    <dgm:txLinClrLst/>
-    <dgm:txFillClrLst/>
-    <dgm:txEffectClrLst/>
-  </dgm:styleLbl>
-  <dgm:styleLbl name="asst1">
-    <dgm:fillClrLst meth="repeat">
-      <a:schemeClr val="accent1"/>
-    </dgm:fillClrLst>
-    <dgm:linClrLst meth="repeat">
-      <a:schemeClr val="lt1"/>
-    </dgm:linClrLst>
-    <dgm:effectClrLst/>
-    <dgm:txLinClrLst/>
-    <dgm:txFillClrLst/>
-    <dgm:txEffectClrLst/>
-  </dgm:styleLbl>
-  <dgm:styleLbl name="asst2">
-    <dgm:fillClrLst meth="repeat">
-      <a:schemeClr val="accent1"/>
-    </dgm:fillClrLst>
-    <dgm:linClrLst meth="repeat">
-      <a:schemeClr val="lt1"/>
-    </dgm:linClrLst>
-    <dgm:effectClrLst/>
-    <dgm:txLinClrLst/>
-    <dgm:txFillClrLst/>
-    <dgm:txEffectClrLst/>
-  </dgm:styleLbl>
-  <dgm:styleLbl name="asst3">
-    <dgm:fillClrLst meth="repeat">
-      <a:schemeClr val="accent1"/>
-    </dgm:fillClrLst>
-    <dgm:linClrLst meth="repeat">
-      <a:schemeClr val="lt1"/>
-    </dgm:linClrLst>
-    <dgm:effectClrLst/>
-    <dgm:txLinClrLst/>
-    <dgm:txFillClrLst/>
-    <dgm:txEffectClrLst/>
-  </dgm:styleLbl>
-  <dgm:styleLbl name="asst4">
-    <dgm:fillClrLst meth="repeat">
-      <a:schemeClr val="accent1"/>
-    </dgm:fillClrLst>
-    <dgm:linClrLst meth="repeat">
-      <a:schemeClr val="lt1"/>
-    </dgm:linClrLst>
-    <dgm:effectClrLst/>
-    <dgm:txLinClrLst/>
-    <dgm:txFillClrLst/>
-    <dgm:txEffectClrLst/>
-  </dgm:styleLbl>
-  <dgm:styleLbl name="parChTrans2D1">
-    <dgm:fillClrLst meth="repeat">
-      <a:schemeClr val="accent1">
-        <a:tint val="60000"/>
-      </a:schemeClr>
-    </dgm:fillClrLst>
-    <dgm:linClrLst meth="repeat">
-      <a:schemeClr val="accent1">
-        <a:tint val="60000"/>
-      </a:schemeClr>
-    </dgm:linClrLst>
-    <dgm:effectClrLst/>
-    <dgm:txLinClrLst/>
-    <dgm:txFillClrLst meth="repeat">
-      <a:schemeClr val="lt1"/>
-    </dgm:txFillClrLst>
-    <dgm:txEffectClrLst/>
-  </dgm:styleLbl>
-  <dgm:styleLbl name="parChTrans2D2">
-    <dgm:fillClrLst meth="repeat">
-      <a:schemeClr val="accent1"/>
-    </dgm:fillClrLst>
-    <dgm:linClrLst meth="repeat">
-      <a:schemeClr val="accent1"/>
-    </dgm:linClrLst>
-    <dgm:effectClrLst/>
-    <dgm:txLinClrLst/>
-    <dgm:txFillClrLst meth="repeat">
-      <a:schemeClr val="lt1"/>
-    </dgm:txFillClrLst>
-    <dgm:txEffectClrLst/>
-  </dgm:styleLbl>
-  <dgm:styleLbl name="parChTrans2D3">
-    <dgm:fillClrLst meth="repeat">
-      <a:schemeClr val="accent1"/>
-    </dgm:fillClrLst>
-    <dgm:linClrLst meth="repeat">
-      <a:schemeClr val="accent1"/>
-    </dgm:linClrLst>
-    <dgm:effectClrLst/>
-    <dgm:txLinClrLst/>
-    <dgm:txFillClrLst meth="repeat">
-      <a:schemeClr val="lt1"/>
-    </dgm:txFillClrLst>
-    <dgm:txEffectClrLst/>
-  </dgm:styleLbl>
-  <dgm:styleLbl name="parChTrans2D4">
-    <dgm:fillClrLst meth="repeat">
-      <a:schemeClr val="accent1"/>
-    </dgm:fillClrLst>
-    <dgm:linClrLst meth="repeat">
-      <a:schemeClr val="accent1"/>
-    </dgm:linClrLst>
-    <dgm:effectClrLst/>
-    <dgm:txLinClrLst/>
-    <dgm:txFillClrLst meth="repeat">
-      <a:schemeClr val="lt1"/>
-    </dgm:txFillClrLst>
-    <dgm:txEffectClrLst/>
-  </dgm:styleLbl>
-  <dgm:styleLbl name="parChTrans1D1">
-    <dgm:fillClrLst meth="repeat">
-      <a:schemeClr val="accent1"/>
-    </dgm:fillClrLst>
-    <dgm:linClrLst meth="repeat">
-      <a:schemeClr val="accent1">
-        <a:shade val="60000"/>
-      </a:schemeClr>
-    </dgm:linClrLst>
-    <dgm:effectClrLst/>
-    <dgm:txLinClrLst/>
-    <dgm:txFillClrLst meth="repeat">
-      <a:schemeClr val="tx1"/>
-    </dgm:txFillClrLst>
-    <dgm:txEffectClrLst/>
-  </dgm:styleLbl>
-  <dgm:styleLbl name="parChTrans1D2">
-    <dgm:fillClrLst meth="repeat">
-      <a:schemeClr val="accent1"/>
-    </dgm:fillClrLst>
-    <dgm:linClrLst meth="repeat">
-      <a:schemeClr val="accent1">
-        <a:shade val="60000"/>
-      </a:schemeClr>
-    </dgm:linClrLst>
-    <dgm:effectClrLst/>
-    <dgm:txLinClrLst/>
-    <dgm:txFillClrLst meth="repeat">
-      <a:schemeClr val="tx1"/>
-    </dgm:txFillClrLst>
-    <dgm:txEffectClrLst/>
-  </dgm:styleLbl>
-  <dgm:styleLbl name="parChTrans1D3">
-    <dgm:fillClrLst meth="repeat">
-      <a:schemeClr val="accent1"/>
-    </dgm:fillClrLst>
-    <dgm:linClrLst meth="repeat">
-      <a:schemeClr val="accent1">
-        <a:shade val="80000"/>
-      </a:schemeClr>
-    </dgm:linClrLst>
-    <dgm:effectClrLst/>
-    <dgm:txLinClrLst/>
-    <dgm:txFillClrLst meth="repeat">
-      <a:schemeClr val="tx1"/>
-    </dgm:txFillClrLst>
-    <dgm:txEffectClrLst/>
-  </dgm:styleLbl>
-  <dgm:styleLbl name="parChTrans1D4">
-    <dgm:fillClrLst meth="repeat">
-      <a:schemeClr val="accent1"/>
-    </dgm:fillClrLst>
-    <dgm:linClrLst meth="repeat">
-      <a:schemeClr val="accent1">
-        <a:shade val="80000"/>
-      </a:schemeClr>
-    </dgm:linClrLst>
-    <dgm:effectClrLst/>
-    <dgm:txLinClrLst/>
-    <dgm:txFillClrLst meth="repeat">
-      <a:schemeClr val="tx1"/>
-    </dgm:txFillClrLst>
-    <dgm:txEffectClrLst/>
-  </dgm:styleLbl>
-  <dgm:styleLbl name="fgAcc1">
-    <dgm:fillClrLst meth="repeat">
-      <a:schemeClr val="lt1">
-        <a:alpha val="90000"/>
-      </a:schemeClr>
-    </dgm:fillClrLst>
-    <dgm:linClrLst meth="repeat">
-      <a:schemeClr val="accent1"/>
-    </dgm:linClrLst>
-    <dgm:effectClrLst/>
-    <dgm:txLinClrLst/>
-    <dgm:txFillClrLst meth="repeat">
-      <a:schemeClr val="dk1"/>
-    </dgm:txFillClrLst>
-    <dgm:txEffectClrLst/>
-  </dgm:styleLbl>
-  <dgm:styleLbl name="conFgAcc1">
-    <dgm:fillClrLst meth="repeat">
-      <a:schemeClr val="lt1">
-        <a:alpha val="90000"/>
-      </a:schemeClr>
-    </dgm:fillClrLst>
-    <dgm:linClrLst meth="repeat">
-      <a:schemeClr val="accent1"/>
-    </dgm:linClrLst>
-    <dgm:effectClrLst/>
-    <dgm:txLinClrLst/>
-    <dgm:txFillClrLst meth="repeat">
-      <a:schemeClr val="dk1"/>
-    </dgm:txFillClrLst>
-    <dgm:txEffectClrLst/>
-  </dgm:styleLbl>
-  <dgm:styleLbl name="alignAcc1">
-    <dgm:fillClrLst meth="repeat">
-      <a:schemeClr val="lt1">
-        <a:alpha val="90000"/>
-      </a:schemeClr>
-    </dgm:fillClrLst>
-    <dgm:linClrLst meth="repeat">
-      <a:schemeClr val="accent1"/>
-    </dgm:linClrLst>
-    <dgm:effectClrLst/>
-    <dgm:txLinClrLst/>
-    <dgm:txFillClrLst meth="repeat">
-      <a:schemeClr val="dk1"/>
-    </dgm:txFillClrLst>
-    <dgm:txEffectClrLst/>
-  </dgm:styleLbl>
-  <dgm:styleLbl name="trAlignAcc1">
-    <dgm:fillClrLst meth="repeat">
-      <a:schemeClr val="lt1">
-        <a:alpha val="40000"/>
-      </a:schemeClr>
-    </dgm:fillClrLst>
-    <dgm:linClrLst meth="repeat">
-      <a:schemeClr val="accent1"/>
-    </dgm:linClrLst>
-    <dgm:effectClrLst/>
-    <dgm:txLinClrLst/>
-    <dgm:txFillClrLst meth="repeat">
-      <a:schemeClr val="dk1"/>
-    </dgm:txFillClrLst>
-    <dgm:txEffectClrLst/>
-  </dgm:styleLbl>
-  <dgm:styleLbl name="bgAcc1">
-    <dgm:fillClrLst meth="repeat">
-      <a:schemeClr val="lt1">
-        <a:alpha val="90000"/>
-      </a:schemeClr>
-    </dgm:fillClrLst>
-    <dgm:linClrLst meth="repeat">
-      <a:schemeClr val="accent1"/>
-    </dgm:linClrLst>
-    <dgm:effectClrLst/>
-    <dgm:txLinClrLst/>
-    <dgm:txFillClrLst meth="repeat">
-      <a:schemeClr val="dk1"/>
-    </dgm:txFillClrLst>
-    <dgm:txEffectClrLst/>
-  </dgm:styleLbl>
-  <dgm:styleLbl name="solidFgAcc1">
-    <dgm:fillClrLst meth="repeat">
-      <a:schemeClr val="lt1"/>
-    </dgm:fillClrLst>
-    <dgm:linClrLst meth="repeat">
-      <a:schemeClr val="accent1"/>
-    </dgm:linClrLst>
-    <dgm:effectClrLst/>
-    <dgm:txLinClrLst/>
-    <dgm:txFillClrLst meth="repeat">
-      <a:schemeClr val="dk1"/>
-    </dgm:txFillClrLst>
-    <dgm:txEffectClrLst/>
-  </dgm:styleLbl>
-  <dgm:styleLbl name="solidAlignAcc1">
-    <dgm:fillClrLst meth="repeat">
-      <a:schemeClr val="lt1"/>
-    </dgm:fillClrLst>
-    <dgm:linClrLst meth="repeat">
-      <a:schemeClr val="accent1"/>
-    </dgm:linClrLst>
-    <dgm:effectClrLst/>
-    <dgm:txLinClrLst/>
-    <dgm:txFillClrLst meth="repeat">
-      <a:schemeClr val="dk1"/>
-    </dgm:txFillClrLst>
-    <dgm:txEffectClrLst/>
-  </dgm:styleLbl>
-  <dgm:styleLbl name="solidBgAcc1">
-    <dgm:fillClrLst meth="repeat">
-      <a:schemeClr val="lt1"/>
-    </dgm:fillClrLst>
-    <dgm:linClrLst meth="repeat">
-      <a:schemeClr val="accent1"/>
-    </dgm:linClrLst>
-    <dgm:effectClrLst/>
-    <dgm:txLinClrLst/>
-    <dgm:txFillClrLst meth="repeat">
-      <a:schemeClr val="dk1"/>
-    </dgm:txFillClrLst>
-    <dgm:txEffectClrLst/>
-  </dgm:styleLbl>
-  <dgm:styleLbl name="fgAccFollowNode1">
-    <dgm:fillClrLst meth="repeat">
-      <a:schemeClr val="accent1">
-        <a:alpha val="90000"/>
-        <a:tint val="40000"/>
-      </a:schemeClr>
-    </dgm:fillClrLst>
-    <dgm:linClrLst meth="repeat">
-      <a:schemeClr val="accent1">
-        <a:alpha val="90000"/>
-        <a:tint val="40000"/>
-      </a:schemeClr>
-    </dgm:linClrLst>
-    <dgm:effectClrLst/>
-    <dgm:txLinClrLst/>
-    <dgm:txFillClrLst meth="repeat">
-      <a:schemeClr val="dk1"/>
-    </dgm:txFillClrLst>
-    <dgm:txEffectClrLst/>
-  </dgm:styleLbl>
-  <dgm:styleLbl name="alignAccFollowNode1">
-    <dgm:fillClrLst meth="repeat">
-      <a:schemeClr val="accent1">
-        <a:alpha val="90000"/>
-        <a:tint val="40000"/>
-      </a:schemeClr>
-    </dgm:fillClrLst>
-    <dgm:linClrLst meth="repeat">
-      <a:schemeClr val="accent1">
-        <a:alpha val="90000"/>
-        <a:tint val="40000"/>
-      </a:schemeClr>
-    </dgm:linClrLst>
-    <dgm:effectClrLst/>
-    <dgm:txLinClrLst/>
-    <dgm:txFillClrLst meth="repeat">
-      <a:schemeClr val="dk1"/>
-    </dgm:txFillClrLst>
-    <dgm:txEffectClrLst/>
-  </dgm:styleLbl>
-  <dgm:styleLbl name="bgAccFollowNode1">
-    <dgm:fillClrLst meth="repeat">
-      <a:schemeClr val="accent1">
-        <a:alpha val="90000"/>
-        <a:tint val="40000"/>
-      </a:schemeClr>
-    </dgm:fillClrLst>
-    <dgm:linClrLst meth="repeat">
-      <a:schemeClr val="accent1">
-        <a:alpha val="90000"/>
-        <a:tint val="40000"/>
-      </a:schemeClr>
-    </dgm:linClrLst>
-    <dgm:effectClrLst/>
-    <dgm:txLinClrLst/>
-    <dgm:txFillClrLst meth="repeat">
-      <a:schemeClr val="dk1"/>
-    </dgm:txFillClrLst>
-    <dgm:txEffectClrLst/>
-  </dgm:styleLbl>
-  <dgm:styleLbl name="fgAcc0">
-    <dgm:fillClrLst meth="repeat">
-      <a:schemeClr val="lt1">
-        <a:alpha val="90000"/>
-      </a:schemeClr>
-    </dgm:fillClrLst>
-    <dgm:linClrLst meth="repeat">
-      <a:schemeClr val="accent1"/>
-    </dgm:linClrLst>
-    <dgm:effectClrLst/>
-    <dgm:txLinClrLst/>
-    <dgm:txFillClrLst meth="repeat">
-      <a:schemeClr val="dk1"/>
-    </dgm:txFillClrLst>
-    <dgm:txEffectClrLst/>
-  </dgm:styleLbl>
-  <dgm:styleLbl name="fgAcc2">
-    <dgm:fillClrLst meth="repeat">
-      <a:schemeClr val="lt1">
-        <a:alpha val="90000"/>
-      </a:schemeClr>
-    </dgm:fillClrLst>
-    <dgm:linClrLst meth="repeat">
-      <a:schemeClr val="accent1"/>
-    </dgm:linClrLst>
-    <dgm:effectClrLst/>
-    <dgm:txLinClrLst/>
-    <dgm:txFillClrLst meth="repeat">
-      <a:schemeClr val="dk1"/>
-    </dgm:txFillClrLst>
-    <dgm:txEffectClrLst/>
-  </dgm:styleLbl>
-  <dgm:styleLbl name="fgAcc3">
-    <dgm:fillClrLst meth="repeat">
-      <a:schemeClr val="lt1">
-        <a:alpha val="90000"/>
-      </a:schemeClr>
-    </dgm:fillClrLst>
-    <dgm:linClrLst meth="repeat">
-      <a:schemeClr val="accent1"/>
-    </dgm:linClrLst>
-    <dgm:effectClrLst/>
-    <dgm:txLinClrLst/>
-    <dgm:txFillClrLst meth="repeat">
-      <a:schemeClr val="dk1"/>
-    </dgm:txFillClrLst>
-    <dgm:txEffectClrLst/>
-  </dgm:styleLbl>
-  <dgm:styleLbl name="fgAcc4">
-    <dgm:fillClrLst meth="repeat">
-      <a:schemeClr val="lt1">
-        <a:alpha val="90000"/>
-      </a:schemeClr>
-    </dgm:fillClrLst>
-    <dgm:linClrLst meth="repeat">
-      <a:schemeClr val="accent1"/>
-    </dgm:linClrLst>
-    <dgm:effectClrLst/>
-    <dgm:txLinClrLst/>
-    <dgm:txFillClrLst meth="repeat">
-      <a:schemeClr val="dk1"/>
-    </dgm:txFillClrLst>
-    <dgm:txEffectClrLst/>
-  </dgm:styleLbl>
-  <dgm:styleLbl name="bgShp">
-    <dgm:fillClrLst meth="repeat">
-      <a:schemeClr val="accent1">
-        <a:tint val="40000"/>
-      </a:schemeClr>
-    </dgm:fillClrLst>
-    <dgm:linClrLst meth="repeat">
-      <a:schemeClr val="accent1"/>
-    </dgm:linClrLst>
-    <dgm:effectClrLst/>
-    <dgm:txLinClrLst/>
-    <dgm:txFillClrLst meth="repeat">
-      <a:schemeClr val="dk1"/>
-    </dgm:txFillClrLst>
-    <dgm:txEffectClrLst/>
-  </dgm:styleLbl>
-  <dgm:styleLbl name="dkBgShp">
-    <dgm:fillClrLst meth="repeat">
-      <a:schemeClr val="accent1">
-        <a:shade val="80000"/>
-      </a:schemeClr>
-    </dgm:fillClrLst>
-    <dgm:linClrLst meth="repeat">
-      <a:schemeClr val="accent1"/>
-    </dgm:linClrLst>
-    <dgm:effectClrLst/>
-    <dgm:txLinClrLst/>
-    <dgm:txFillClrLst meth="repeat">
-      <a:schemeClr val="lt1"/>
-    </dgm:txFillClrLst>
-    <dgm:txEffectClrLst/>
-  </dgm:styleLbl>
-  <dgm:styleLbl name="trBgShp">
-    <dgm:fillClrLst meth="repeat">
-      <a:schemeClr val="accent1">
-        <a:tint val="50000"/>
-        <a:alpha val="40000"/>
-      </a:schemeClr>
-    </dgm:fillClrLst>
-    <dgm:linClrLst meth="repeat">
-      <a:schemeClr val="accent1"/>
-    </dgm:linClrLst>
-    <dgm:effectClrLst/>
-    <dgm:txLinClrLst/>
-    <dgm:txFillClrLst meth="repeat">
-      <a:schemeClr val="lt1"/>
-    </dgm:txFillClrLst>
-    <dgm:txEffectClrLst/>
-  </dgm:styleLbl>
-  <dgm:styleLbl name="fgShp">
-    <dgm:fillClrLst meth="repeat">
-      <a:schemeClr val="accent1">
-        <a:tint val="60000"/>
-      </a:schemeClr>
-    </dgm:fillClrLst>
-    <dgm:linClrLst meth="repeat">
-      <a:schemeClr val="lt1"/>
-    </dgm:linClrLst>
-    <dgm:effectClrLst/>
-    <dgm:txLinClrLst/>
-    <dgm:txFillClrLst meth="repeat">
-      <a:schemeClr val="dk1"/>
-    </dgm:txFillClrLst>
-    <dgm:txEffectClrLst/>
-  </dgm:styleLbl>
-  <dgm:styleLbl name="revTx">
-    <dgm:fillClrLst meth="repeat">
-      <a:schemeClr val="lt1">
-        <a:alpha val="0"/>
-      </a:schemeClr>
-    </dgm:fillClrLst>
-    <dgm:linClrLst meth="repeat">
-      <a:schemeClr val="dk1">
-        <a:alpha val="0"/>
-      </a:schemeClr>
-    </dgm:linClrLst>
-    <dgm:effectClrLst/>
-    <dgm:txLinClrLst/>
-    <dgm:txFillClrLst meth="repeat">
-      <a:schemeClr val="tx1"/>
-    </dgm:txFillClrLst>
-    <dgm:txEffectClrLst/>
-  </dgm:styleLbl>
-</dgm:colorsDef>
-</file>
-
-<file path=ppt/diagrams/data1.xml><?xml version="1.0" encoding="utf-8"?>
-<dgm:dataModel xmlns:dgm="http://schemas.openxmlformats.org/drawingml/2006/diagram" xmlns:a="http://schemas.openxmlformats.org/drawingml/2006/main">
-  <dgm:ptLst>
-    <dgm:pt modelId="{E3AD2560-C973-4A52-8F67-E8B49CAD187E}" type="doc">
-      <dgm:prSet loTypeId="urn:microsoft.com/office/officeart/2005/8/layout/process5" loCatId="process" qsTypeId="urn:microsoft.com/office/officeart/2005/8/quickstyle/simple1" qsCatId="simple" csTypeId="urn:microsoft.com/office/officeart/2005/8/colors/accent1_2" csCatId="accent1" phldr="1"/>
-      <dgm:spPr/>
-      <dgm:t>
-        <a:bodyPr/>
-        <a:lstStyle/>
-        <a:p>
-          <a:endParaRPr lang="en-US"/>
-        </a:p>
-      </dgm:t>
-    </dgm:pt>
-    <dgm:pt modelId="{3D56C3C6-CE66-4BB5-8633-8293E816D3BE}">
-      <dgm:prSet custT="1"/>
-      <dgm:spPr>
-        <a:solidFill>
-          <a:srgbClr val="FF0000"/>
-        </a:solidFill>
-        <a:scene3d>
-          <a:camera prst="orthographicFront"/>
-          <a:lightRig rig="threePt" dir="t"/>
-        </a:scene3d>
-        <a:sp3d>
-          <a:bevelT w="25400"/>
-        </a:sp3d>
-      </dgm:spPr>
-      <dgm:t>
-        <a:bodyPr/>
-        <a:lstStyle/>
-        <a:p>
-          <a:r>
-            <a:rPr lang="en-US" sz="3200" dirty="0"/>
-            <a:t>Flask takes user input and goes to DB for properly configured data</a:t>
-          </a:r>
-        </a:p>
-      </dgm:t>
-    </dgm:pt>
-    <dgm:pt modelId="{562CE077-C003-4EEF-92F2-51ED2344FA02}" type="parTrans" cxnId="{A85905A1-483A-4737-B99C-A026F98ACF5D}">
-      <dgm:prSet/>
-      <dgm:spPr/>
-      <dgm:t>
-        <a:bodyPr/>
-        <a:lstStyle/>
-        <a:p>
-          <a:endParaRPr lang="en-US"/>
-        </a:p>
-      </dgm:t>
-    </dgm:pt>
-    <dgm:pt modelId="{BA16AB79-0CD4-40A3-A1D9-52B29B757A0B}" type="sibTrans" cxnId="{A85905A1-483A-4737-B99C-A026F98ACF5D}">
-      <dgm:prSet/>
-      <dgm:spPr/>
-      <dgm:t>
-        <a:bodyPr/>
-        <a:lstStyle/>
-        <a:p>
-          <a:endParaRPr lang="en-US"/>
-        </a:p>
-      </dgm:t>
-    </dgm:pt>
-    <dgm:pt modelId="{E162B57E-2412-4C73-B77C-5D2340F7FBDA}">
-      <dgm:prSet/>
-      <dgm:spPr>
-        <a:solidFill>
-          <a:srgbClr val="F79709"/>
-        </a:solidFill>
-      </dgm:spPr>
-      <dgm:t>
-        <a:bodyPr/>
-        <a:lstStyle/>
-        <a:p>
-          <a:r>
-            <a:rPr lang="en-US" dirty="0"/>
-            <a:t>Flask inputs DB info into ML model  </a:t>
-          </a:r>
-        </a:p>
-      </dgm:t>
-    </dgm:pt>
-    <dgm:pt modelId="{D71E2128-5571-47DA-8A4A-DD8A48AFF498}" type="parTrans" cxnId="{CB3BAE06-B05E-4704-A61B-7EFDD90D6095}">
-      <dgm:prSet/>
-      <dgm:spPr/>
-      <dgm:t>
-        <a:bodyPr/>
-        <a:lstStyle/>
-        <a:p>
-          <a:endParaRPr lang="en-US"/>
-        </a:p>
-      </dgm:t>
-    </dgm:pt>
-    <dgm:pt modelId="{3A1C2906-5644-49F0-B754-CF4335533852}" type="sibTrans" cxnId="{CB3BAE06-B05E-4704-A61B-7EFDD90D6095}">
-      <dgm:prSet/>
-      <dgm:spPr/>
-      <dgm:t>
-        <a:bodyPr/>
-        <a:lstStyle/>
-        <a:p>
-          <a:endParaRPr lang="en-US"/>
-        </a:p>
-      </dgm:t>
-    </dgm:pt>
-    <dgm:pt modelId="{3CBDAAD9-8363-44F7-B932-CEEB1ED17CB6}">
-      <dgm:prSet/>
-      <dgm:spPr>
-        <a:solidFill>
-          <a:srgbClr val="00B050"/>
-        </a:solidFill>
-      </dgm:spPr>
-      <dgm:t>
-        <a:bodyPr/>
-        <a:lstStyle/>
-        <a:p>
-          <a:r>
-            <a:rPr lang="en-US" dirty="0"/>
-            <a:t>ML model returns list of movies</a:t>
-          </a:r>
-        </a:p>
-      </dgm:t>
-    </dgm:pt>
-    <dgm:pt modelId="{6EDDBAAF-6083-46ED-BA14-BE4C93CE3192}" type="parTrans" cxnId="{59AB0798-D6E4-4131-A0FE-22BAE84FC816}">
-      <dgm:prSet/>
-      <dgm:spPr/>
-      <dgm:t>
-        <a:bodyPr/>
-        <a:lstStyle/>
-        <a:p>
-          <a:endParaRPr lang="en-US"/>
-        </a:p>
-      </dgm:t>
-    </dgm:pt>
-    <dgm:pt modelId="{C7568CAE-6813-4E4C-83BE-4AAAD0C7D9BE}" type="sibTrans" cxnId="{59AB0798-D6E4-4131-A0FE-22BAE84FC816}">
-      <dgm:prSet/>
-      <dgm:spPr/>
-      <dgm:t>
-        <a:bodyPr/>
-        <a:lstStyle/>
-        <a:p>
-          <a:endParaRPr lang="en-US"/>
-        </a:p>
-      </dgm:t>
-    </dgm:pt>
-    <dgm:pt modelId="{C900F836-6E68-4F15-85CA-2DE0E54635A1}">
-      <dgm:prSet/>
-      <dgm:spPr>
-        <a:solidFill>
-          <a:srgbClr val="0070C0"/>
-        </a:solidFill>
-      </dgm:spPr>
-      <dgm:t>
-        <a:bodyPr/>
-        <a:lstStyle/>
-        <a:p>
-          <a:r>
-            <a:rPr lang="en-US" dirty="0"/>
-            <a:t>List of movies is then output by Flask onto website</a:t>
-          </a:r>
-        </a:p>
-      </dgm:t>
-    </dgm:pt>
-    <dgm:pt modelId="{5754D122-E3CB-4D99-BB6B-7F139A396290}" type="parTrans" cxnId="{EADF8FC9-1695-47D2-9D6D-EC4C59AAAFF0}">
-      <dgm:prSet/>
-      <dgm:spPr/>
-      <dgm:t>
-        <a:bodyPr/>
-        <a:lstStyle/>
-        <a:p>
-          <a:endParaRPr lang="en-US"/>
-        </a:p>
-      </dgm:t>
-    </dgm:pt>
-    <dgm:pt modelId="{67204CAB-6B7F-4D29-9FDF-F5B88EFC69F2}" type="sibTrans" cxnId="{EADF8FC9-1695-47D2-9D6D-EC4C59AAAFF0}">
-      <dgm:prSet/>
-      <dgm:spPr/>
-      <dgm:t>
-        <a:bodyPr/>
-        <a:lstStyle/>
-        <a:p>
-          <a:endParaRPr lang="en-US"/>
-        </a:p>
-      </dgm:t>
-    </dgm:pt>
-    <dgm:pt modelId="{400BCB7D-F085-4DCA-88CE-862EF499EBB1}" type="pres">
-      <dgm:prSet presAssocID="{E3AD2560-C973-4A52-8F67-E8B49CAD187E}" presName="diagram" presStyleCnt="0">
-        <dgm:presLayoutVars>
-          <dgm:dir/>
-          <dgm:resizeHandles val="exact"/>
-        </dgm:presLayoutVars>
-      </dgm:prSet>
-      <dgm:spPr/>
-    </dgm:pt>
-    <dgm:pt modelId="{AC12229F-830C-4885-B779-39259E6CCAD8}" type="pres">
-      <dgm:prSet presAssocID="{3D56C3C6-CE66-4BB5-8633-8293E816D3BE}" presName="node" presStyleLbl="node1" presStyleIdx="0" presStyleCnt="4">
-        <dgm:presLayoutVars>
-          <dgm:bulletEnabled val="1"/>
-        </dgm:presLayoutVars>
-      </dgm:prSet>
-      <dgm:spPr/>
-    </dgm:pt>
-    <dgm:pt modelId="{4CBB69E1-06F9-4FC2-A601-B22E34CB1D4B}" type="pres">
-      <dgm:prSet presAssocID="{BA16AB79-0CD4-40A3-A1D9-52B29B757A0B}" presName="sibTrans" presStyleLbl="sibTrans2D1" presStyleIdx="0" presStyleCnt="3"/>
-      <dgm:spPr/>
-    </dgm:pt>
-    <dgm:pt modelId="{2980A815-B8F0-4E46-9349-739674EE76F5}" type="pres">
-      <dgm:prSet presAssocID="{BA16AB79-0CD4-40A3-A1D9-52B29B757A0B}" presName="connectorText" presStyleLbl="sibTrans2D1" presStyleIdx="0" presStyleCnt="3"/>
-      <dgm:spPr/>
-    </dgm:pt>
-    <dgm:pt modelId="{8A8545C4-F1ED-4205-8C00-DE0A50AB6E5E}" type="pres">
-      <dgm:prSet presAssocID="{E162B57E-2412-4C73-B77C-5D2340F7FBDA}" presName="node" presStyleLbl="node1" presStyleIdx="1" presStyleCnt="4">
-        <dgm:presLayoutVars>
-          <dgm:bulletEnabled val="1"/>
-        </dgm:presLayoutVars>
-      </dgm:prSet>
-      <dgm:spPr/>
-    </dgm:pt>
-    <dgm:pt modelId="{DAE7A37F-90B9-4A6B-9379-5690C904E82B}" type="pres">
-      <dgm:prSet presAssocID="{3A1C2906-5644-49F0-B754-CF4335533852}" presName="sibTrans" presStyleLbl="sibTrans2D1" presStyleIdx="1" presStyleCnt="3"/>
-      <dgm:spPr/>
-    </dgm:pt>
-    <dgm:pt modelId="{054CE8F6-2853-4DB4-9059-D4A082D053F2}" type="pres">
-      <dgm:prSet presAssocID="{3A1C2906-5644-49F0-B754-CF4335533852}" presName="connectorText" presStyleLbl="sibTrans2D1" presStyleIdx="1" presStyleCnt="3"/>
-      <dgm:spPr/>
-    </dgm:pt>
-    <dgm:pt modelId="{72E71CA3-F071-45C9-AC89-CAED81612E83}" type="pres">
-      <dgm:prSet presAssocID="{3CBDAAD9-8363-44F7-B932-CEEB1ED17CB6}" presName="node" presStyleLbl="node1" presStyleIdx="2" presStyleCnt="4">
-        <dgm:presLayoutVars>
-          <dgm:bulletEnabled val="1"/>
-        </dgm:presLayoutVars>
-      </dgm:prSet>
-      <dgm:spPr/>
-    </dgm:pt>
-    <dgm:pt modelId="{0672825D-544F-4AF6-838B-5E57CE38D338}" type="pres">
-      <dgm:prSet presAssocID="{C7568CAE-6813-4E4C-83BE-4AAAD0C7D9BE}" presName="sibTrans" presStyleLbl="sibTrans2D1" presStyleIdx="2" presStyleCnt="3"/>
-      <dgm:spPr/>
-    </dgm:pt>
-    <dgm:pt modelId="{55AC390F-EDFB-4643-81D8-9C7BFEF43E3E}" type="pres">
-      <dgm:prSet presAssocID="{C7568CAE-6813-4E4C-83BE-4AAAD0C7D9BE}" presName="connectorText" presStyleLbl="sibTrans2D1" presStyleIdx="2" presStyleCnt="3"/>
-      <dgm:spPr/>
-    </dgm:pt>
-    <dgm:pt modelId="{D3BE228E-F8F6-4E37-A9E7-293777EEC00F}" type="pres">
-      <dgm:prSet presAssocID="{C900F836-6E68-4F15-85CA-2DE0E54635A1}" presName="node" presStyleLbl="node1" presStyleIdx="3" presStyleCnt="4">
-        <dgm:presLayoutVars>
-          <dgm:bulletEnabled val="1"/>
-        </dgm:presLayoutVars>
-      </dgm:prSet>
-      <dgm:spPr/>
-    </dgm:pt>
-  </dgm:ptLst>
-  <dgm:cxnLst>
-    <dgm:cxn modelId="{CB3BAE06-B05E-4704-A61B-7EFDD90D6095}" srcId="{E3AD2560-C973-4A52-8F67-E8B49CAD187E}" destId="{E162B57E-2412-4C73-B77C-5D2340F7FBDA}" srcOrd="1" destOrd="0" parTransId="{D71E2128-5571-47DA-8A4A-DD8A48AFF498}" sibTransId="{3A1C2906-5644-49F0-B754-CF4335533852}"/>
-    <dgm:cxn modelId="{2199B42A-DE18-4A8B-82D2-6A66ED025F2C}" type="presOf" srcId="{BA16AB79-0CD4-40A3-A1D9-52B29B757A0B}" destId="{4CBB69E1-06F9-4FC2-A601-B22E34CB1D4B}" srcOrd="0" destOrd="0" presId="urn:microsoft.com/office/officeart/2005/8/layout/process5"/>
-    <dgm:cxn modelId="{E59DA16C-57AB-4E5D-88DE-732ED5540881}" type="presOf" srcId="{C7568CAE-6813-4E4C-83BE-4AAAD0C7D9BE}" destId="{55AC390F-EDFB-4643-81D8-9C7BFEF43E3E}" srcOrd="1" destOrd="0" presId="urn:microsoft.com/office/officeart/2005/8/layout/process5"/>
-    <dgm:cxn modelId="{668A816E-0EF6-48F2-B1BB-CAF6BAFD73C7}" type="presOf" srcId="{E3AD2560-C973-4A52-8F67-E8B49CAD187E}" destId="{400BCB7D-F085-4DCA-88CE-862EF499EBB1}" srcOrd="0" destOrd="0" presId="urn:microsoft.com/office/officeart/2005/8/layout/process5"/>
-    <dgm:cxn modelId="{E7D21879-B6D8-4A29-B499-BEB86C84DBBB}" type="presOf" srcId="{3D56C3C6-CE66-4BB5-8633-8293E816D3BE}" destId="{AC12229F-830C-4885-B779-39259E6CCAD8}" srcOrd="0" destOrd="0" presId="urn:microsoft.com/office/officeart/2005/8/layout/process5"/>
-    <dgm:cxn modelId="{B1E43C85-3BD5-483E-855B-5DAD14F45FCB}" type="presOf" srcId="{C900F836-6E68-4F15-85CA-2DE0E54635A1}" destId="{D3BE228E-F8F6-4E37-A9E7-293777EEC00F}" srcOrd="0" destOrd="0" presId="urn:microsoft.com/office/officeart/2005/8/layout/process5"/>
-    <dgm:cxn modelId="{59AB0798-D6E4-4131-A0FE-22BAE84FC816}" srcId="{E3AD2560-C973-4A52-8F67-E8B49CAD187E}" destId="{3CBDAAD9-8363-44F7-B932-CEEB1ED17CB6}" srcOrd="2" destOrd="0" parTransId="{6EDDBAAF-6083-46ED-BA14-BE4C93CE3192}" sibTransId="{C7568CAE-6813-4E4C-83BE-4AAAD0C7D9BE}"/>
-    <dgm:cxn modelId="{A85905A1-483A-4737-B99C-A026F98ACF5D}" srcId="{E3AD2560-C973-4A52-8F67-E8B49CAD187E}" destId="{3D56C3C6-CE66-4BB5-8633-8293E816D3BE}" srcOrd="0" destOrd="0" parTransId="{562CE077-C003-4EEF-92F2-51ED2344FA02}" sibTransId="{BA16AB79-0CD4-40A3-A1D9-52B29B757A0B}"/>
-    <dgm:cxn modelId="{99CDB5B1-47F3-4EC0-B192-472C97A74451}" type="presOf" srcId="{BA16AB79-0CD4-40A3-A1D9-52B29B757A0B}" destId="{2980A815-B8F0-4E46-9349-739674EE76F5}" srcOrd="1" destOrd="0" presId="urn:microsoft.com/office/officeart/2005/8/layout/process5"/>
-    <dgm:cxn modelId="{39AB56B8-B3BD-44D5-B93C-178B059B2288}" type="presOf" srcId="{C7568CAE-6813-4E4C-83BE-4AAAD0C7D9BE}" destId="{0672825D-544F-4AF6-838B-5E57CE38D338}" srcOrd="0" destOrd="0" presId="urn:microsoft.com/office/officeart/2005/8/layout/process5"/>
-    <dgm:cxn modelId="{848972BB-C176-4DD3-A31B-A7A3AB705CA4}" type="presOf" srcId="{E162B57E-2412-4C73-B77C-5D2340F7FBDA}" destId="{8A8545C4-F1ED-4205-8C00-DE0A50AB6E5E}" srcOrd="0" destOrd="0" presId="urn:microsoft.com/office/officeart/2005/8/layout/process5"/>
-    <dgm:cxn modelId="{F58FF4BE-E7F6-45A0-9E8E-D012412F7E1D}" type="presOf" srcId="{3A1C2906-5644-49F0-B754-CF4335533852}" destId="{054CE8F6-2853-4DB4-9059-D4A082D053F2}" srcOrd="1" destOrd="0" presId="urn:microsoft.com/office/officeart/2005/8/layout/process5"/>
-    <dgm:cxn modelId="{EADF8FC9-1695-47D2-9D6D-EC4C59AAAFF0}" srcId="{E3AD2560-C973-4A52-8F67-E8B49CAD187E}" destId="{C900F836-6E68-4F15-85CA-2DE0E54635A1}" srcOrd="3" destOrd="0" parTransId="{5754D122-E3CB-4D99-BB6B-7F139A396290}" sibTransId="{67204CAB-6B7F-4D29-9FDF-F5B88EFC69F2}"/>
-    <dgm:cxn modelId="{6C1B13D8-4877-4F7A-B880-B622DB965D08}" type="presOf" srcId="{3CBDAAD9-8363-44F7-B932-CEEB1ED17CB6}" destId="{72E71CA3-F071-45C9-AC89-CAED81612E83}" srcOrd="0" destOrd="0" presId="urn:microsoft.com/office/officeart/2005/8/layout/process5"/>
-    <dgm:cxn modelId="{70C6E4D8-BD36-442D-B8A7-1F24EDDD9269}" type="presOf" srcId="{3A1C2906-5644-49F0-B754-CF4335533852}" destId="{DAE7A37F-90B9-4A6B-9379-5690C904E82B}" srcOrd="0" destOrd="0" presId="urn:microsoft.com/office/officeart/2005/8/layout/process5"/>
-    <dgm:cxn modelId="{A6219EAD-2CEE-4B31-A858-A357B61C095F}" type="presParOf" srcId="{400BCB7D-F085-4DCA-88CE-862EF499EBB1}" destId="{AC12229F-830C-4885-B779-39259E6CCAD8}" srcOrd="0" destOrd="0" presId="urn:microsoft.com/office/officeart/2005/8/layout/process5"/>
-    <dgm:cxn modelId="{F46E7884-6FA0-4347-A982-D7A34143A04F}" type="presParOf" srcId="{400BCB7D-F085-4DCA-88CE-862EF499EBB1}" destId="{4CBB69E1-06F9-4FC2-A601-B22E34CB1D4B}" srcOrd="1" destOrd="0" presId="urn:microsoft.com/office/officeart/2005/8/layout/process5"/>
-    <dgm:cxn modelId="{230F1A56-485C-4C2C-8265-D829C76072C0}" type="presParOf" srcId="{4CBB69E1-06F9-4FC2-A601-B22E34CB1D4B}" destId="{2980A815-B8F0-4E46-9349-739674EE76F5}" srcOrd="0" destOrd="0" presId="urn:microsoft.com/office/officeart/2005/8/layout/process5"/>
-    <dgm:cxn modelId="{A0B5618C-204F-4061-A771-EBCEB5C68C2D}" type="presParOf" srcId="{400BCB7D-F085-4DCA-88CE-862EF499EBB1}" destId="{8A8545C4-F1ED-4205-8C00-DE0A50AB6E5E}" srcOrd="2" destOrd="0" presId="urn:microsoft.com/office/officeart/2005/8/layout/process5"/>
-    <dgm:cxn modelId="{4F4FCFFD-2069-445D-AA60-A605D174898B}" type="presParOf" srcId="{400BCB7D-F085-4DCA-88CE-862EF499EBB1}" destId="{DAE7A37F-90B9-4A6B-9379-5690C904E82B}" srcOrd="3" destOrd="0" presId="urn:microsoft.com/office/officeart/2005/8/layout/process5"/>
-    <dgm:cxn modelId="{BAB93DB1-80FA-4DBE-81B8-A33F5AC7B6AF}" type="presParOf" srcId="{DAE7A37F-90B9-4A6B-9379-5690C904E82B}" destId="{054CE8F6-2853-4DB4-9059-D4A082D053F2}" srcOrd="0" destOrd="0" presId="urn:microsoft.com/office/officeart/2005/8/layout/process5"/>
-    <dgm:cxn modelId="{88F3568C-4B01-42D8-8C06-A462AB7BA165}" type="presParOf" srcId="{400BCB7D-F085-4DCA-88CE-862EF499EBB1}" destId="{72E71CA3-F071-45C9-AC89-CAED81612E83}" srcOrd="4" destOrd="0" presId="urn:microsoft.com/office/officeart/2005/8/layout/process5"/>
-    <dgm:cxn modelId="{7A511E62-770E-4C7D-AB7F-D70AB4F661AC}" type="presParOf" srcId="{400BCB7D-F085-4DCA-88CE-862EF499EBB1}" destId="{0672825D-544F-4AF6-838B-5E57CE38D338}" srcOrd="5" destOrd="0" presId="urn:microsoft.com/office/officeart/2005/8/layout/process5"/>
-    <dgm:cxn modelId="{3353CFA5-E1A6-45BC-9D7D-A82D8FF239AF}" type="presParOf" srcId="{0672825D-544F-4AF6-838B-5E57CE38D338}" destId="{55AC390F-EDFB-4643-81D8-9C7BFEF43E3E}" srcOrd="0" destOrd="0" presId="urn:microsoft.com/office/officeart/2005/8/layout/process5"/>
-    <dgm:cxn modelId="{FEFE0011-49EB-4286-ADC4-3D6C7FD41894}" type="presParOf" srcId="{400BCB7D-F085-4DCA-88CE-862EF499EBB1}" destId="{D3BE228E-F8F6-4E37-A9E7-293777EEC00F}" srcOrd="6" destOrd="0" presId="urn:microsoft.com/office/officeart/2005/8/layout/process5"/>
-  </dgm:cxnLst>
-  <dgm:bg/>
-  <dgm:whole/>
-  <dgm:extLst>
-    <a:ext uri="http://schemas.microsoft.com/office/drawing/2008/diagram">
-      <dsp:dataModelExt xmlns:dsp="http://schemas.microsoft.com/office/drawing/2008/diagram" relId="rId6" minVer="http://schemas.openxmlformats.org/drawingml/2006/diagram"/>
-    </a:ext>
-  </dgm:extLst>
-</dgm:dataModel>
-</file>
-
-<file path=ppt/diagrams/drawing1.xml><?xml version="1.0" encoding="utf-8"?>
-<dsp:drawing xmlns:dgm="http://schemas.openxmlformats.org/drawingml/2006/diagram" xmlns:dsp="http://schemas.microsoft.com/office/drawing/2008/diagram" xmlns:a="http://schemas.openxmlformats.org/drawingml/2006/main">
-  <dsp:spTree>
-    <dsp:nvGrpSpPr>
-      <dsp:cNvPr id="0" name=""/>
-      <dsp:cNvGrpSpPr/>
-    </dsp:nvGrpSpPr>
-    <dsp:grpSpPr/>
-    <dsp:sp modelId="{AC12229F-830C-4885-B779-39259E6CCAD8}">
-      <dsp:nvSpPr>
-        <dsp:cNvPr id="0" name=""/>
-        <dsp:cNvSpPr/>
-      </dsp:nvSpPr>
-      <dsp:spPr>
-        <a:xfrm>
-          <a:off x="721965" y="3594"/>
-          <a:ext cx="3398862" cy="2039317"/>
-        </a:xfrm>
-        <a:prstGeom prst="roundRect">
-          <a:avLst>
-            <a:gd name="adj" fmla="val 10000"/>
-          </a:avLst>
-        </a:prstGeom>
-        <a:solidFill>
-          <a:srgbClr val="FF0000"/>
-        </a:solidFill>
-        <a:ln w="34925" cap="flat" cmpd="sng" algn="in">
-          <a:solidFill>
-            <a:schemeClr val="lt1">
-              <a:hueOff val="0"/>
-              <a:satOff val="0"/>
-              <a:lumOff val="0"/>
-              <a:alphaOff val="0"/>
-            </a:schemeClr>
-          </a:solidFill>
-          <a:prstDash val="solid"/>
-        </a:ln>
-        <a:effectLst/>
-        <a:scene3d>
-          <a:camera prst="orthographicFront"/>
-          <a:lightRig rig="threePt" dir="t"/>
-        </a:scene3d>
-        <a:sp3d>
-          <a:bevelT w="25400"/>
-        </a:sp3d>
-      </dsp:spPr>
-      <dsp:style>
-        <a:lnRef idx="2">
-          <a:scrgbClr r="0" g="0" b="0"/>
-        </a:lnRef>
-        <a:fillRef idx="1">
-          <a:scrgbClr r="0" g="0" b="0"/>
-        </a:fillRef>
-        <a:effectRef idx="0">
-          <a:scrgbClr r="0" g="0" b="0"/>
-        </a:effectRef>
-        <a:fontRef idx="minor">
-          <a:schemeClr val="lt1"/>
-        </a:fontRef>
-      </dsp:style>
-      <dsp:txBody>
-        <a:bodyPr spcFirstLastPara="0" vert="horz" wrap="square" lIns="121920" tIns="121920" rIns="121920" bIns="121920" numCol="1" spcCol="1270" anchor="ctr" anchorCtr="0">
-          <a:noAutofit/>
-        </a:bodyPr>
-        <a:lstStyle/>
-        <a:p>
-          <a:pPr marL="0" lvl="0" indent="0" algn="ctr" defTabSz="1422400">
-            <a:lnSpc>
-              <a:spcPct val="90000"/>
-            </a:lnSpc>
-            <a:spcBef>
-              <a:spcPct val="0"/>
-            </a:spcBef>
-            <a:spcAft>
-              <a:spcPct val="35000"/>
-            </a:spcAft>
-            <a:buNone/>
-          </a:pPr>
-          <a:r>
-            <a:rPr lang="en-US" sz="3200" kern="1200" dirty="0"/>
-            <a:t>Flask takes user input and goes to DB for properly configured data</a:t>
-          </a:r>
-        </a:p>
-      </dsp:txBody>
-      <dsp:txXfrm>
-        <a:off x="781695" y="63324"/>
-        <a:ext cx="3279402" cy="1919857"/>
-      </dsp:txXfrm>
-    </dsp:sp>
-    <dsp:sp modelId="{4CBB69E1-06F9-4FC2-A601-B22E34CB1D4B}">
-      <dsp:nvSpPr>
-        <dsp:cNvPr id="0" name=""/>
-        <dsp:cNvSpPr/>
-      </dsp:nvSpPr>
-      <dsp:spPr>
-        <a:xfrm>
-          <a:off x="4419927" y="601794"/>
-          <a:ext cx="720558" cy="842917"/>
-        </a:xfrm>
-        <a:prstGeom prst="rightArrow">
-          <a:avLst>
-            <a:gd name="adj1" fmla="val 60000"/>
-            <a:gd name="adj2" fmla="val 50000"/>
-          </a:avLst>
-        </a:prstGeom>
-        <a:solidFill>
-          <a:schemeClr val="accent1">
-            <a:tint val="60000"/>
-            <a:hueOff val="0"/>
-            <a:satOff val="0"/>
-            <a:lumOff val="0"/>
-            <a:alphaOff val="0"/>
-          </a:schemeClr>
-        </a:solidFill>
-        <a:ln>
-          <a:noFill/>
-        </a:ln>
-        <a:effectLst/>
-      </dsp:spPr>
-      <dsp:style>
-        <a:lnRef idx="0">
-          <a:scrgbClr r="0" g="0" b="0"/>
-        </a:lnRef>
-        <a:fillRef idx="1">
-          <a:scrgbClr r="0" g="0" b="0"/>
-        </a:fillRef>
-        <a:effectRef idx="0">
-          <a:scrgbClr r="0" g="0" b="0"/>
-        </a:effectRef>
-        <a:fontRef idx="minor">
-          <a:schemeClr val="lt1"/>
-        </a:fontRef>
-      </dsp:style>
-      <dsp:txBody>
-        <a:bodyPr spcFirstLastPara="0" vert="horz" wrap="square" lIns="0" tIns="0" rIns="0" bIns="0" numCol="1" spcCol="1270" anchor="ctr" anchorCtr="0">
-          <a:noAutofit/>
-        </a:bodyPr>
-        <a:lstStyle/>
-        <a:p>
-          <a:pPr marL="0" lvl="0" indent="0" algn="ctr" defTabSz="1155700">
-            <a:lnSpc>
-              <a:spcPct val="90000"/>
-            </a:lnSpc>
-            <a:spcBef>
-              <a:spcPct val="0"/>
-            </a:spcBef>
-            <a:spcAft>
-              <a:spcPct val="35000"/>
-            </a:spcAft>
-            <a:buNone/>
-          </a:pPr>
-          <a:endParaRPr lang="en-US" sz="2600" kern="1200"/>
-        </a:p>
-      </dsp:txBody>
-      <dsp:txXfrm>
-        <a:off x="4419927" y="770377"/>
-        <a:ext cx="504391" cy="505751"/>
-      </dsp:txXfrm>
-    </dsp:sp>
-    <dsp:sp modelId="{8A8545C4-F1ED-4205-8C00-DE0A50AB6E5E}">
-      <dsp:nvSpPr>
-        <dsp:cNvPr id="0" name=""/>
-        <dsp:cNvSpPr/>
-      </dsp:nvSpPr>
-      <dsp:spPr>
-        <a:xfrm>
-          <a:off x="5480372" y="3594"/>
-          <a:ext cx="3398862" cy="2039317"/>
-        </a:xfrm>
-        <a:prstGeom prst="roundRect">
-          <a:avLst>
-            <a:gd name="adj" fmla="val 10000"/>
-          </a:avLst>
-        </a:prstGeom>
-        <a:solidFill>
-          <a:srgbClr val="F79709"/>
-        </a:solidFill>
-        <a:ln w="34925" cap="flat" cmpd="sng" algn="in">
-          <a:solidFill>
-            <a:schemeClr val="lt1">
-              <a:hueOff val="0"/>
-              <a:satOff val="0"/>
-              <a:lumOff val="0"/>
-              <a:alphaOff val="0"/>
-            </a:schemeClr>
-          </a:solidFill>
-          <a:prstDash val="solid"/>
-        </a:ln>
-        <a:effectLst/>
-      </dsp:spPr>
-      <dsp:style>
-        <a:lnRef idx="2">
-          <a:scrgbClr r="0" g="0" b="0"/>
-        </a:lnRef>
-        <a:fillRef idx="1">
-          <a:scrgbClr r="0" g="0" b="0"/>
-        </a:fillRef>
-        <a:effectRef idx="0">
-          <a:scrgbClr r="0" g="0" b="0"/>
-        </a:effectRef>
-        <a:fontRef idx="minor">
-          <a:schemeClr val="lt1"/>
-        </a:fontRef>
-      </dsp:style>
-      <dsp:txBody>
-        <a:bodyPr spcFirstLastPara="0" vert="horz" wrap="square" lIns="121920" tIns="121920" rIns="121920" bIns="121920" numCol="1" spcCol="1270" anchor="ctr" anchorCtr="0">
-          <a:noAutofit/>
-        </a:bodyPr>
-        <a:lstStyle/>
-        <a:p>
-          <a:pPr marL="0" lvl="0" indent="0" algn="ctr" defTabSz="1422400">
-            <a:lnSpc>
-              <a:spcPct val="90000"/>
-            </a:lnSpc>
-            <a:spcBef>
-              <a:spcPct val="0"/>
-            </a:spcBef>
-            <a:spcAft>
-              <a:spcPct val="35000"/>
-            </a:spcAft>
-            <a:buNone/>
-          </a:pPr>
-          <a:r>
-            <a:rPr lang="en-US" sz="3200" kern="1200" dirty="0"/>
-            <a:t>Flask inputs DB info into ML model  </a:t>
-          </a:r>
-        </a:p>
-      </dsp:txBody>
-      <dsp:txXfrm>
-        <a:off x="5540102" y="63324"/>
-        <a:ext cx="3279402" cy="1919857"/>
-      </dsp:txXfrm>
-    </dsp:sp>
-    <dsp:sp modelId="{DAE7A37F-90B9-4A6B-9379-5690C904E82B}">
-      <dsp:nvSpPr>
-        <dsp:cNvPr id="0" name=""/>
-        <dsp:cNvSpPr/>
-      </dsp:nvSpPr>
-      <dsp:spPr>
-        <a:xfrm rot="5400000">
-          <a:off x="6819524" y="2280832"/>
-          <a:ext cx="720558" cy="842917"/>
-        </a:xfrm>
-        <a:prstGeom prst="rightArrow">
-          <a:avLst>
-            <a:gd name="adj1" fmla="val 60000"/>
-            <a:gd name="adj2" fmla="val 50000"/>
-          </a:avLst>
-        </a:prstGeom>
-        <a:solidFill>
-          <a:schemeClr val="accent1">
-            <a:tint val="60000"/>
-            <a:hueOff val="0"/>
-            <a:satOff val="0"/>
-            <a:lumOff val="0"/>
-            <a:alphaOff val="0"/>
-          </a:schemeClr>
-        </a:solidFill>
-        <a:ln>
-          <a:noFill/>
-        </a:ln>
-        <a:effectLst/>
-      </dsp:spPr>
-      <dsp:style>
-        <a:lnRef idx="0">
-          <a:scrgbClr r="0" g="0" b="0"/>
-        </a:lnRef>
-        <a:fillRef idx="1">
-          <a:scrgbClr r="0" g="0" b="0"/>
-        </a:fillRef>
-        <a:effectRef idx="0">
-          <a:scrgbClr r="0" g="0" b="0"/>
-        </a:effectRef>
-        <a:fontRef idx="minor">
-          <a:schemeClr val="lt1"/>
-        </a:fontRef>
-      </dsp:style>
-      <dsp:txBody>
-        <a:bodyPr spcFirstLastPara="0" vert="horz" wrap="square" lIns="0" tIns="0" rIns="0" bIns="0" numCol="1" spcCol="1270" anchor="ctr" anchorCtr="0">
-          <a:noAutofit/>
-        </a:bodyPr>
-        <a:lstStyle/>
-        <a:p>
-          <a:pPr marL="0" lvl="0" indent="0" algn="ctr" defTabSz="1155700">
-            <a:lnSpc>
-              <a:spcPct val="90000"/>
-            </a:lnSpc>
-            <a:spcBef>
-              <a:spcPct val="0"/>
-            </a:spcBef>
-            <a:spcAft>
-              <a:spcPct val="35000"/>
-            </a:spcAft>
-            <a:buNone/>
-          </a:pPr>
-          <a:endParaRPr lang="en-US" sz="2600" kern="1200"/>
-        </a:p>
-      </dsp:txBody>
-      <dsp:txXfrm rot="-5400000">
-        <a:off x="6926928" y="2342012"/>
-        <a:ext cx="505751" cy="504391"/>
-      </dsp:txXfrm>
-    </dsp:sp>
-    <dsp:sp modelId="{72E71CA3-F071-45C9-AC89-CAED81612E83}">
-      <dsp:nvSpPr>
-        <dsp:cNvPr id="0" name=""/>
-        <dsp:cNvSpPr/>
-      </dsp:nvSpPr>
-      <dsp:spPr>
-        <a:xfrm>
-          <a:off x="5480372" y="3402456"/>
-          <a:ext cx="3398862" cy="2039317"/>
-        </a:xfrm>
-        <a:prstGeom prst="roundRect">
-          <a:avLst>
-            <a:gd name="adj" fmla="val 10000"/>
-          </a:avLst>
-        </a:prstGeom>
-        <a:solidFill>
-          <a:srgbClr val="00B050"/>
-        </a:solidFill>
-        <a:ln w="34925" cap="flat" cmpd="sng" algn="in">
-          <a:solidFill>
-            <a:schemeClr val="lt1">
-              <a:hueOff val="0"/>
-              <a:satOff val="0"/>
-              <a:lumOff val="0"/>
-              <a:alphaOff val="0"/>
-            </a:schemeClr>
-          </a:solidFill>
-          <a:prstDash val="solid"/>
-        </a:ln>
-        <a:effectLst/>
-      </dsp:spPr>
-      <dsp:style>
-        <a:lnRef idx="2">
-          <a:scrgbClr r="0" g="0" b="0"/>
-        </a:lnRef>
-        <a:fillRef idx="1">
-          <a:scrgbClr r="0" g="0" b="0"/>
-        </a:fillRef>
-        <a:effectRef idx="0">
-          <a:scrgbClr r="0" g="0" b="0"/>
-        </a:effectRef>
-        <a:fontRef idx="minor">
-          <a:schemeClr val="lt1"/>
-        </a:fontRef>
-      </dsp:style>
-      <dsp:txBody>
-        <a:bodyPr spcFirstLastPara="0" vert="horz" wrap="square" lIns="121920" tIns="121920" rIns="121920" bIns="121920" numCol="1" spcCol="1270" anchor="ctr" anchorCtr="0">
-          <a:noAutofit/>
-        </a:bodyPr>
-        <a:lstStyle/>
-        <a:p>
-          <a:pPr marL="0" lvl="0" indent="0" algn="ctr" defTabSz="1422400">
-            <a:lnSpc>
-              <a:spcPct val="90000"/>
-            </a:lnSpc>
-            <a:spcBef>
-              <a:spcPct val="0"/>
-            </a:spcBef>
-            <a:spcAft>
-              <a:spcPct val="35000"/>
-            </a:spcAft>
-            <a:buNone/>
-          </a:pPr>
-          <a:r>
-            <a:rPr lang="en-US" sz="3200" kern="1200" dirty="0"/>
-            <a:t>ML model returns list of movies</a:t>
-          </a:r>
-        </a:p>
-      </dsp:txBody>
-      <dsp:txXfrm>
-        <a:off x="5540102" y="3462186"/>
-        <a:ext cx="3279402" cy="1919857"/>
-      </dsp:txXfrm>
-    </dsp:sp>
-    <dsp:sp modelId="{0672825D-544F-4AF6-838B-5E57CE38D338}">
-      <dsp:nvSpPr>
-        <dsp:cNvPr id="0" name=""/>
-        <dsp:cNvSpPr/>
-      </dsp:nvSpPr>
-      <dsp:spPr>
-        <a:xfrm rot="10800000">
-          <a:off x="4460713" y="4000656"/>
-          <a:ext cx="720558" cy="842917"/>
-        </a:xfrm>
-        <a:prstGeom prst="rightArrow">
-          <a:avLst>
-            <a:gd name="adj1" fmla="val 60000"/>
-            <a:gd name="adj2" fmla="val 50000"/>
-          </a:avLst>
-        </a:prstGeom>
-        <a:solidFill>
-          <a:schemeClr val="accent1">
-            <a:tint val="60000"/>
-            <a:hueOff val="0"/>
-            <a:satOff val="0"/>
-            <a:lumOff val="0"/>
-            <a:alphaOff val="0"/>
-          </a:schemeClr>
-        </a:solidFill>
-        <a:ln>
-          <a:noFill/>
-        </a:ln>
-        <a:effectLst/>
-      </dsp:spPr>
-      <dsp:style>
-        <a:lnRef idx="0">
-          <a:scrgbClr r="0" g="0" b="0"/>
-        </a:lnRef>
-        <a:fillRef idx="1">
-          <a:scrgbClr r="0" g="0" b="0"/>
-        </a:fillRef>
-        <a:effectRef idx="0">
-          <a:scrgbClr r="0" g="0" b="0"/>
-        </a:effectRef>
-        <a:fontRef idx="minor">
-          <a:schemeClr val="lt1"/>
-        </a:fontRef>
-      </dsp:style>
-      <dsp:txBody>
-        <a:bodyPr spcFirstLastPara="0" vert="horz" wrap="square" lIns="0" tIns="0" rIns="0" bIns="0" numCol="1" spcCol="1270" anchor="ctr" anchorCtr="0">
-          <a:noAutofit/>
-        </a:bodyPr>
-        <a:lstStyle/>
-        <a:p>
-          <a:pPr marL="0" lvl="0" indent="0" algn="ctr" defTabSz="1155700">
-            <a:lnSpc>
-              <a:spcPct val="90000"/>
-            </a:lnSpc>
-            <a:spcBef>
-              <a:spcPct val="0"/>
-            </a:spcBef>
-            <a:spcAft>
-              <a:spcPct val="35000"/>
-            </a:spcAft>
-            <a:buNone/>
-          </a:pPr>
-          <a:endParaRPr lang="en-US" sz="2600" kern="1200"/>
-        </a:p>
-      </dsp:txBody>
-      <dsp:txXfrm rot="10800000">
-        <a:off x="4676880" y="4169239"/>
-        <a:ext cx="504391" cy="505751"/>
-      </dsp:txXfrm>
-    </dsp:sp>
-    <dsp:sp modelId="{D3BE228E-F8F6-4E37-A9E7-293777EEC00F}">
-      <dsp:nvSpPr>
-        <dsp:cNvPr id="0" name=""/>
-        <dsp:cNvSpPr/>
-      </dsp:nvSpPr>
-      <dsp:spPr>
-        <a:xfrm>
-          <a:off x="721965" y="3402456"/>
-          <a:ext cx="3398862" cy="2039317"/>
-        </a:xfrm>
-        <a:prstGeom prst="roundRect">
-          <a:avLst>
-            <a:gd name="adj" fmla="val 10000"/>
-          </a:avLst>
-        </a:prstGeom>
-        <a:solidFill>
-          <a:srgbClr val="0070C0"/>
-        </a:solidFill>
-        <a:ln w="34925" cap="flat" cmpd="sng" algn="in">
-          <a:solidFill>
-            <a:schemeClr val="lt1">
-              <a:hueOff val="0"/>
-              <a:satOff val="0"/>
-              <a:lumOff val="0"/>
-              <a:alphaOff val="0"/>
-            </a:schemeClr>
-          </a:solidFill>
-          <a:prstDash val="solid"/>
-        </a:ln>
-        <a:effectLst/>
-      </dsp:spPr>
-      <dsp:style>
-        <a:lnRef idx="2">
-          <a:scrgbClr r="0" g="0" b="0"/>
-        </a:lnRef>
-        <a:fillRef idx="1">
-          <a:scrgbClr r="0" g="0" b="0"/>
-        </a:fillRef>
-        <a:effectRef idx="0">
-          <a:scrgbClr r="0" g="0" b="0"/>
-        </a:effectRef>
-        <a:fontRef idx="minor">
-          <a:schemeClr val="lt1"/>
-        </a:fontRef>
-      </dsp:style>
-      <dsp:txBody>
-        <a:bodyPr spcFirstLastPara="0" vert="horz" wrap="square" lIns="121920" tIns="121920" rIns="121920" bIns="121920" numCol="1" spcCol="1270" anchor="ctr" anchorCtr="0">
-          <a:noAutofit/>
-        </a:bodyPr>
-        <a:lstStyle/>
-        <a:p>
-          <a:pPr marL="0" lvl="0" indent="0" algn="ctr" defTabSz="1422400">
-            <a:lnSpc>
-              <a:spcPct val="90000"/>
-            </a:lnSpc>
-            <a:spcBef>
-              <a:spcPct val="0"/>
-            </a:spcBef>
-            <a:spcAft>
-              <a:spcPct val="35000"/>
-            </a:spcAft>
-            <a:buNone/>
-          </a:pPr>
-          <a:r>
-            <a:rPr lang="en-US" sz="3200" kern="1200" dirty="0"/>
-            <a:t>List of movies is then output by Flask onto website</a:t>
-          </a:r>
-        </a:p>
-      </dsp:txBody>
-      <dsp:txXfrm>
-        <a:off x="781695" y="3462186"/>
-        <a:ext cx="3279402" cy="1919857"/>
-      </dsp:txXfrm>
-    </dsp:sp>
-  </dsp:spTree>
-</dsp:drawing>
-</file>
-
-<file path=ppt/diagrams/layout1.xml><?xml version="1.0" encoding="utf-8"?>
-<dgm:layoutDef xmlns:dgm="http://schemas.openxmlformats.org/drawingml/2006/diagram" xmlns:a="http://schemas.openxmlformats.org/drawingml/2006/main" uniqueId="urn:microsoft.com/office/officeart/2005/8/layout/process5">
-  <dgm:title val=""/>
-  <dgm:desc val=""/>
-  <dgm:catLst>
-    <dgm:cat type="process" pri="17000"/>
-  </dgm:catLst>
-  <dgm:sampData>
-    <dgm:dataModel>
-      <dgm:ptLst>
-        <dgm:pt modelId="0" type="doc"/>
-        <dgm:pt modelId="1">
-          <dgm:prSet phldr="1"/>
-        </dgm:pt>
-        <dgm:pt modelId="2">
-          <dgm:prSet phldr="1"/>
-        </dgm:pt>
-        <dgm:pt modelId="3">
-          <dgm:prSet phldr="1"/>
-        </dgm:pt>
-        <dgm:pt modelId="4">
-          <dgm:prSet phldr="1"/>
-        </dgm:pt>
-        <dgm:pt modelId="5">
-          <dgm:prSet phldr="1"/>
-        </dgm:pt>
-      </dgm:ptLst>
-      <dgm:cxnLst>
-        <dgm:cxn modelId="7" srcId="0" destId="1" srcOrd="0" destOrd="0"/>
-        <dgm:cxn modelId="8" srcId="0" destId="2" srcOrd="1" destOrd="0"/>
-        <dgm:cxn modelId="9" srcId="0" destId="3" srcOrd="2" destOrd="0"/>
-        <dgm:cxn modelId="10" srcId="0" destId="4" srcOrd="3" destOrd="0"/>
-        <dgm:cxn modelId="11" srcId="0" destId="5" srcOrd="4" destOrd="0"/>
-      </dgm:cxnLst>
-      <dgm:bg/>
-      <dgm:whole/>
-    </dgm:dataModel>
-  </dgm:sampData>
-  <dgm:styleData>
-    <dgm:dataModel>
-      <dgm:ptLst>
-        <dgm:pt modelId="0" type="doc"/>
-        <dgm:pt modelId="1"/>
-        <dgm:pt modelId="2"/>
-      </dgm:ptLst>
-      <dgm:cxnLst>
-        <dgm:cxn modelId="3" srcId="0" destId="1" srcOrd="0" destOrd="0"/>
-        <dgm:cxn modelId="4" srcId="0" destId="2" srcOrd="1" destOrd="0"/>
-      </dgm:cxnLst>
-      <dgm:bg/>
-      <dgm:whole/>
-    </dgm:dataModel>
-  </dgm:styleData>
-  <dgm:clrData>
-    <dgm:dataModel>
-      <dgm:ptLst>
-        <dgm:pt modelId="0" type="doc"/>
-        <dgm:pt modelId="1"/>
-        <dgm:pt modelId="2"/>
-        <dgm:pt modelId="3"/>
-        <dgm:pt modelId="4"/>
-      </dgm:ptLst>
-      <dgm:cxnLst>
-        <dgm:cxn modelId="5" srcId="0" destId="1" srcOrd="0" destOrd="0"/>
-        <dgm:cxn modelId="6" srcId="0" destId="2" srcOrd="1" destOrd="0"/>
-        <dgm:cxn modelId="7" srcId="0" destId="3" srcOrd="2" destOrd="0"/>
-        <dgm:cxn modelId="8" srcId="0" destId="4" srcOrd="3" destOrd="0"/>
-      </dgm:cxnLst>
-      <dgm:bg/>
-      <dgm:whole/>
-    </dgm:dataModel>
-  </dgm:clrData>
-  <dgm:layoutNode name="diagram">
-    <dgm:varLst>
-      <dgm:dir/>
-      <dgm:resizeHandles val="exact"/>
-    </dgm:varLst>
-    <dgm:choose name="Name0">
-      <dgm:if name="Name1" axis="self" func="var" arg="dir" op="equ" val="norm">
-        <dgm:alg type="snake">
-          <dgm:param type="grDir" val="tL"/>
-          <dgm:param type="flowDir" val="row"/>
-          <dgm:param type="contDir" val="revDir"/>
-          <dgm:param type="bkpt" val="endCnv"/>
-        </dgm:alg>
-      </dgm:if>
-      <dgm:else name="Name2">
-        <dgm:alg type="snake">
-          <dgm:param type="grDir" val="tR"/>
-          <dgm:param type="flowDir" val="row"/>
-          <dgm:param type="contDir" val="revDir"/>
-          <dgm:param type="bkpt" val="endCnv"/>
-        </dgm:alg>
-      </dgm:else>
-    </dgm:choose>
-    <dgm:shape xmlns:r="http://schemas.openxmlformats.org/officeDocument/2006/relationships" r:blip="">
-      <dgm:adjLst/>
-    </dgm:shape>
-    <dgm:presOf/>
-    <dgm:constrLst>
-      <dgm:constr type="w" for="ch" ptType="node" refType="w"/>
-      <dgm:constr type="w" for="ch" forName="sibTrans" refType="w" refFor="ch" refPtType="node" op="equ" fact="0.4"/>
-      <dgm:constr type="sp" refType="w" refFor="ch" refForName="sibTrans" op="equ"/>
-      <dgm:constr type="primFontSz" for="ch" ptType="node" op="equ" val="65"/>
-      <dgm:constr type="primFontSz" for="des" forName="connectorText" op="equ" val="55"/>
-      <dgm:constr type="primFontSz" for="des" forName="connectorText" refType="primFontSz" refFor="ch" refPtType="node" op="lte" fact="0.8"/>
-    </dgm:constrLst>
-    <dgm:ruleLst/>
-    <dgm:forEach name="nodesForEach" axis="ch" ptType="node">
-      <dgm:layoutNode name="node">
-        <dgm:varLst>
-          <dgm:bulletEnabled val="1"/>
-        </dgm:varLst>
-        <dgm:alg type="tx"/>
-        <dgm:shape xmlns:r="http://schemas.openxmlformats.org/officeDocument/2006/relationships" type="roundRect" r:blip="">
-          <dgm:adjLst>
-            <dgm:adj idx="1" val="0.1"/>
-          </dgm:adjLst>
-        </dgm:shape>
-        <dgm:presOf axis="desOrSelf" ptType="node"/>
-        <dgm:constrLst>
-          <dgm:constr type="h" refType="w" fact="0.6"/>
-          <dgm:constr type="tMarg" refType="primFontSz" fact="0.3"/>
-          <dgm:constr type="bMarg" refType="primFontSz" fact="0.3"/>
-          <dgm:constr type="lMarg" refType="primFontSz" fact="0.3"/>
-          <dgm:constr type="rMarg" refType="primFontSz" fact="0.3"/>
-        </dgm:constrLst>
-        <dgm:ruleLst>
-          <dgm:rule type="primFontSz" val="5" fact="NaN" max="NaN"/>
-        </dgm:ruleLst>
-      </dgm:layoutNode>
-      <dgm:forEach name="sibTransForEach" axis="followSib" ptType="sibTrans" cnt="1">
-        <dgm:layoutNode name="sibTrans">
-          <dgm:alg type="conn">
-            <dgm:param type="begPts" val="auto"/>
-            <dgm:param type="endPts" val="auto"/>
-          </dgm:alg>
-          <dgm:shape xmlns:r="http://schemas.openxmlformats.org/officeDocument/2006/relationships" type="conn" r:blip="">
-            <dgm:adjLst/>
-          </dgm:shape>
-          <dgm:presOf axis="self"/>
-          <dgm:constrLst>
-            <dgm:constr type="h" refType="w" fact="0.62"/>
-            <dgm:constr type="connDist"/>
-          </dgm:constrLst>
-          <dgm:ruleLst/>
-          <dgm:layoutNode name="connectorText">
-            <dgm:alg type="tx">
-              <dgm:param type="autoTxRot" val="upr"/>
-            </dgm:alg>
-            <dgm:shape xmlns:r="http://schemas.openxmlformats.org/officeDocument/2006/relationships" type="conn" r:blip="" hideGeom="1">
-              <dgm:adjLst/>
-            </dgm:shape>
-            <dgm:presOf axis="self"/>
-            <dgm:constrLst>
-              <dgm:constr type="lMarg"/>
-              <dgm:constr type="rMarg"/>
-              <dgm:constr type="tMarg"/>
-              <dgm:constr type="bMarg"/>
-            </dgm:constrLst>
-            <dgm:ruleLst>
-              <dgm:rule type="primFontSz" val="5" fact="NaN" max="NaN"/>
-            </dgm:ruleLst>
-          </dgm:layoutNode>
-        </dgm:layoutNode>
-      </dgm:forEach>
-    </dgm:forEach>
-  </dgm:layoutNode>
-</dgm:layoutDef>
-</file>
-
-<file path=ppt/diagrams/quickStyle1.xml><?xml version="1.0" encoding="utf-8"?>
-<dgm:styleDef xmlns:dgm="http://schemas.openxmlformats.org/drawingml/2006/diagram" xmlns:a="http://schemas.openxmlformats.org/drawingml/2006/main" uniqueId="urn:microsoft.com/office/officeart/2005/8/quickstyle/simple1">
-  <dgm:title val=""/>
-  <dgm:desc val=""/>
-  <dgm:catLst>
-    <dgm:cat type="simple" pri="10100"/>
-  </dgm:catLst>
-  <dgm:scene3d>
-    <a:camera prst="orthographicFront"/>
-    <a:lightRig rig="threePt" dir="t"/>
-  </dgm:scene3d>
-  <dgm:styleLbl name="node0">
-    <dgm:scene3d>
-      <a:camera prst="orthographicFront"/>
-      <a:lightRig rig="threePt" dir="t"/>
-    </dgm:scene3d>
-    <dgm:sp3d/>
-    <dgm:txPr/>
-    <dgm:style>
-      <a:lnRef idx="2">
-        <a:scrgbClr r="0" g="0" b="0"/>
-      </a:lnRef>
-      <a:fillRef idx="1">
-        <a:scrgbClr r="0" g="0" b="0"/>
-      </a:fillRef>
-      <a:effectRef idx="0">
-        <a:scrgbClr r="0" g="0" b="0"/>
-      </a:effectRef>
-      <a:fontRef idx="minor">
-        <a:schemeClr val="lt1"/>
-      </a:fontRef>
-    </dgm:style>
-  </dgm:styleLbl>
-  <dgm:styleLbl name="lnNode1">
-    <dgm:scene3d>
-      <a:camera prst="orthographicFront"/>
-      <a:lightRig rig="threePt" dir="t"/>
-    </dgm:scene3d>
-    <dgm:sp3d/>
-    <dgm:txPr/>
-    <dgm:style>
-      <a:lnRef idx="2">
-        <a:scrgbClr r="0" g="0" b="0"/>
-      </a:lnRef>
-      <a:fillRef idx="1">
-        <a:scrgbClr r="0" g="0" b="0"/>
-      </a:fillRef>
-      <a:effectRef idx="0">
-        <a:scrgbClr r="0" g="0" b="0"/>
-      </a:effectRef>
-      <a:fontRef idx="minor">
-        <a:schemeClr val="lt1"/>
-      </a:fontRef>
-    </dgm:style>
-  </dgm:styleLbl>
-  <dgm:styleLbl name="vennNode1">
-    <dgm:scene3d>
-      <a:camera prst="orthographicFront"/>
-      <a:lightRig rig="threePt" dir="t"/>
-    </dgm:scene3d>
-    <dgm:sp3d/>
-    <dgm:txPr/>
-    <dgm:style>
-      <a:lnRef idx="2">
-        <a:scrgbClr r="0" g="0" b="0"/>
-      </a:lnRef>
-      <a:fillRef idx="1">
-        <a:scrgbClr r="0" g="0" b="0"/>
-      </a:fillRef>
-      <a:effectRef idx="0">
-        <a:scrgbClr r="0" g="0" b="0"/>
-      </a:effectRef>
-      <a:fontRef idx="minor">
-        <a:schemeClr val="tx1"/>
-      </a:fontRef>
-    </dgm:style>
-  </dgm:styleLbl>
-  <dgm:styleLbl name="alignNode1">
-    <dgm:scene3d>
-      <a:camera prst="orthographicFront"/>
-      <a:lightRig rig="threePt" dir="t"/>
-    </dgm:scene3d>
-    <dgm:sp3d/>
-    <dgm:txPr/>
-    <dgm:style>
-      <a:lnRef idx="2">
-        <a:scrgbClr r="0" g="0" b="0"/>
-      </a:lnRef>
-      <a:fillRef idx="1">
-        <a:scrgbClr r="0" g="0" b="0"/>
-      </a:fillRef>
-      <a:effectRef idx="0">
-        <a:scrgbClr r="0" g="0" b="0"/>
-      </a:effectRef>
-      <a:fontRef idx="minor">
-        <a:schemeClr val="lt1"/>
-      </a:fontRef>
-    </dgm:style>
-  </dgm:styleLbl>
-  <dgm:styleLbl name="node1">
-    <dgm:scene3d>
-      <a:camera prst="orthographicFront"/>
-      <a:lightRig rig="threePt" dir="t"/>
-    </dgm:scene3d>
-    <dgm:sp3d/>
-    <dgm:txPr/>
-    <dgm:style>
-      <a:lnRef idx="2">
-        <a:scrgbClr r="0" g="0" b="0"/>
-      </a:lnRef>
-      <a:fillRef idx="1">
-        <a:scrgbClr r="0" g="0" b="0"/>
-      </a:fillRef>
-      <a:effectRef idx="0">
-        <a:scrgbClr r="0" g="0" b="0"/>
-      </a:effectRef>
-      <a:fontRef idx="minor">
-        <a:schemeClr val="lt1"/>
-      </a:fontRef>
-    </dgm:style>
-  </dgm:styleLbl>
-  <dgm:styleLbl name="node2">
-    <dgm:scene3d>
-      <a:camera prst="orthographicFront"/>
-      <a:lightRig rig="threePt" dir="t"/>
-    </dgm:scene3d>
-    <dgm:sp3d/>
-    <dgm:txPr/>
-    <dgm:style>
-      <a:lnRef idx="2">
-        <a:scrgbClr r="0" g="0" b="0"/>
-      </a:lnRef>
-      <a:fillRef idx="1">
-        <a:scrgbClr r="0" g="0" b="0"/>
-      </a:fillRef>
-      <a:effectRef idx="0">
-        <a:scrgbClr r="0" g="0" b="0"/>
-      </a:effectRef>
-      <a:fontRef idx="minor">
-        <a:schemeClr val="lt1"/>
-      </a:fontRef>
-    </dgm:style>
-  </dgm:styleLbl>
-  <dgm:styleLbl name="node3">
-    <dgm:scene3d>
-      <a:camera prst="orthographicFront"/>
-      <a:lightRig rig="threePt" dir="t"/>
-    </dgm:scene3d>
-    <dgm:sp3d/>
-    <dgm:txPr/>
-    <dgm:style>
-      <a:lnRef idx="2">
-        <a:scrgbClr r="0" g="0" b="0"/>
-      </a:lnRef>
-      <a:fillRef idx="1">
-        <a:scrgbClr r="0" g="0" b="0"/>
-      </a:fillRef>
-      <a:effectRef idx="0">
-        <a:scrgbClr r="0" g="0" b="0"/>
-      </a:effectRef>
-      <a:fontRef idx="minor">
-        <a:schemeClr val="lt1"/>
-      </a:fontRef>
-    </dgm:style>
-  </dgm:styleLbl>
-  <dgm:styleLbl name="node4">
-    <dgm:scene3d>
-      <a:camera prst="orthographicFront"/>
-      <a:lightRig rig="threePt" dir="t"/>
-    </dgm:scene3d>
-    <dgm:sp3d/>
-    <dgm:txPr/>
-    <dgm:style>
-      <a:lnRef idx="2">
-        <a:scrgbClr r="0" g="0" b="0"/>
-      </a:lnRef>
-      <a:fillRef idx="1">
-        <a:scrgbClr r="0" g="0" b="0"/>
-      </a:fillRef>
-      <a:effectRef idx="0">
-        <a:scrgbClr r="0" g="0" b="0"/>
-      </a:effectRef>
-      <a:fontRef idx="minor">
-        <a:schemeClr val="lt1"/>
-      </a:fontRef>
-    </dgm:style>
-  </dgm:styleLbl>
-  <dgm:styleLbl name="fgImgPlace1">
-    <dgm:scene3d>
-      <a:camera prst="orthographicFront"/>
-      <a:lightRig rig="threePt" dir="t"/>
-    </dgm:scene3d>
-    <dgm:sp3d/>
-    <dgm:txPr/>
-    <dgm:style>
-      <a:lnRef idx="2">
-        <a:scrgbClr r="0" g="0" b="0"/>
-      </a:lnRef>
-      <a:fillRef idx="1">
-        <a:scrgbClr r="0" g="0" b="0"/>
-      </a:fillRef>
-      <a:effectRef idx="0">
-        <a:scrgbClr r="0" g="0" b="0"/>
-      </a:effectRef>
-      <a:fontRef idx="minor"/>
-    </dgm:style>
-  </dgm:styleLbl>
-  <dgm:styleLbl name="alignImgPlace1">
-    <dgm:scene3d>
-      <a:camera prst="orthographicFront"/>
-      <a:lightRig rig="threePt" dir="t"/>
-    </dgm:scene3d>
-    <dgm:sp3d/>
-    <dgm:txPr/>
-    <dgm:style>
-      <a:lnRef idx="2">
-        <a:scrgbClr r="0" g="0" b="0"/>
-      </a:lnRef>
-      <a:fillRef idx="1">
-        <a:scrgbClr r="0" g="0" b="0"/>
-      </a:fillRef>
-      <a:effectRef idx="0">
-        <a:scrgbClr r="0" g="0" b="0"/>
-      </a:effectRef>
-      <a:fontRef idx="minor"/>
-    </dgm:style>
-  </dgm:styleLbl>
-  <dgm:styleLbl name="bgImgPlace1">
-    <dgm:scene3d>
-      <a:camera prst="orthographicFront"/>
-      <a:lightRig rig="threePt" dir="t"/>
-    </dgm:scene3d>
-    <dgm:sp3d/>
-    <dgm:txPr/>
-    <dgm:style>
-      <a:lnRef idx="2">
-        <a:scrgbClr r="0" g="0" b="0"/>
-      </a:lnRef>
-      <a:fillRef idx="1">
-        <a:scrgbClr r="0" g="0" b="0"/>
-      </a:fillRef>
-      <a:effectRef idx="0">
-        <a:scrgbClr r="0" g="0" b="0"/>
-      </a:effectRef>
-      <a:fontRef idx="minor"/>
-    </dgm:style>
-  </dgm:styleLbl>
-  <dgm:styleLbl name="sibTrans2D1">
-    <dgm:scene3d>
-      <a:camera prst="orthographicFront"/>
-      <a:lightRig rig="threePt" dir="t"/>
-    </dgm:scene3d>
-    <dgm:sp3d/>
-    <dgm:txPr/>
-    <dgm:style>
-      <a:lnRef idx="0">
-        <a:scrgbClr r="0" g="0" b="0"/>
-      </a:lnRef>
-      <a:fillRef idx="1">
-        <a:scrgbClr r="0" g="0" b="0"/>
-      </a:fillRef>
-      <a:effectRef idx="0">
-        <a:scrgbClr r="0" g="0" b="0"/>
-      </a:effectRef>
-      <a:fontRef idx="minor">
-        <a:schemeClr val="lt1"/>
-      </a:fontRef>
-    </dgm:style>
-  </dgm:styleLbl>
-  <dgm:styleLbl name="fgSibTrans2D1">
-    <dgm:scene3d>
-      <a:camera prst="orthographicFront"/>
-      <a:lightRig rig="threePt" dir="t"/>
-    </dgm:scene3d>
-    <dgm:sp3d/>
-    <dgm:txPr/>
-    <dgm:style>
-      <a:lnRef idx="0">
-        <a:scrgbClr r="0" g="0" b="0"/>
-      </a:lnRef>
-      <a:fillRef idx="1">
-        <a:scrgbClr r="0" g="0" b="0"/>
-      </a:fillRef>
-      <a:effectRef idx="0">
-        <a:scrgbClr r="0" g="0" b="0"/>
-      </a:effectRef>
-      <a:fontRef idx="minor">
-        <a:schemeClr val="lt1"/>
-      </a:fontRef>
-    </dgm:style>
-  </dgm:styleLbl>
-  <dgm:styleLbl name="bgSibTrans2D1">
-    <dgm:scene3d>
-      <a:camera prst="orthographicFront"/>
-      <a:lightRig rig="threePt" dir="t"/>
-    </dgm:scene3d>
-    <dgm:sp3d/>
-    <dgm:txPr/>
-    <dgm:style>
-      <a:lnRef idx="0">
-        <a:scrgbClr r="0" g="0" b="0"/>
-      </a:lnRef>
-      <a:fillRef idx="1">
-        <a:scrgbClr r="0" g="0" b="0"/>
-      </a:fillRef>
-      <a:effectRef idx="0">
-        <a:scrgbClr r="0" g="0" b="0"/>
-      </a:effectRef>
-      <a:fontRef idx="minor">
-        <a:schemeClr val="lt1"/>
-      </a:fontRef>
-    </dgm:style>
-  </dgm:styleLbl>
-  <dgm:styleLbl name="sibTrans1D1">
-    <dgm:scene3d>
-      <a:camera prst="orthographicFront"/>
-      <a:lightRig rig="threePt" dir="t"/>
-    </dgm:scene3d>
-    <dgm:sp3d/>
-    <dgm:txPr/>
-    <dgm:style>
-      <a:lnRef idx="1">
-        <a:scrgbClr r="0" g="0" b="0"/>
-      </a:lnRef>
-      <a:fillRef idx="0">
-        <a:scrgbClr r="0" g="0" b="0"/>
-      </a:fillRef>
-      <a:effectRef idx="0">
-        <a:scrgbClr r="0" g="0" b="0"/>
-      </a:effectRef>
-      <a:fontRef idx="minor"/>
-    </dgm:style>
-  </dgm:styleLbl>
-  <dgm:styleLbl name="callout">
-    <dgm:scene3d>
-      <a:camera prst="orthographicFront"/>
-      <a:lightRig rig="threePt" dir="t"/>
-    </dgm:scene3d>
-    <dgm:sp3d/>
-    <dgm:txPr/>
-    <dgm:style>
-      <a:lnRef idx="2">
-        <a:scrgbClr r="0" g="0" b="0"/>
-      </a:lnRef>
-      <a:fillRef idx="1">
-        <a:scrgbClr r="0" g="0" b="0"/>
-      </a:fillRef>
-      <a:effectRef idx="0">
-        <a:scrgbClr r="0" g="0" b="0"/>
-      </a:effectRef>
-      <a:fontRef idx="minor"/>
-    </dgm:style>
-  </dgm:styleLbl>
-  <dgm:styleLbl name="asst0">
-    <dgm:scene3d>
-      <a:camera prst="orthographicFront"/>
-      <a:lightRig rig="threePt" dir="t"/>
-    </dgm:scene3d>
-    <dgm:sp3d/>
-    <dgm:txPr/>
-    <dgm:style>
-      <a:lnRef idx="2">
-        <a:scrgbClr r="0" g="0" b="0"/>
-      </a:lnRef>
-      <a:fillRef idx="1">
-        <a:scrgbClr r="0" g="0" b="0"/>
-      </a:fillRef>
-      <a:effectRef idx="0">
-        <a:scrgbClr r="0" g="0" b="0"/>
-      </a:effectRef>
-      <a:fontRef idx="minor">
-        <a:schemeClr val="lt1"/>
-      </a:fontRef>
-    </dgm:style>
-  </dgm:styleLbl>
-  <dgm:styleLbl name="asst1">
-    <dgm:scene3d>
-      <a:camera prst="orthographicFront"/>
-      <a:lightRig rig="threePt" dir="t"/>
-    </dgm:scene3d>
-    <dgm:sp3d/>
-    <dgm:txPr/>
-    <dgm:style>
-      <a:lnRef idx="2">
-        <a:scrgbClr r="0" g="0" b="0"/>
-      </a:lnRef>
-      <a:fillRef idx="1">
-        <a:scrgbClr r="0" g="0" b="0"/>
-      </a:fillRef>
-      <a:effectRef idx="0">
-        <a:scrgbClr r="0" g="0" b="0"/>
-      </a:effectRef>
-      <a:fontRef idx="minor">
-        <a:schemeClr val="lt1"/>
-      </a:fontRef>
-    </dgm:style>
-  </dgm:styleLbl>
-  <dgm:styleLbl name="asst2">
-    <dgm:scene3d>
-      <a:camera prst="orthographicFront"/>
-      <a:lightRig rig="threePt" dir="t"/>
-    </dgm:scene3d>
-    <dgm:sp3d/>
-    <dgm:txPr/>
-    <dgm:style>
-      <a:lnRef idx="2">
-        <a:scrgbClr r="0" g="0" b="0"/>
-      </a:lnRef>
-      <a:fillRef idx="1">
-        <a:scrgbClr r="0" g="0" b="0"/>
-      </a:fillRef>
-      <a:effectRef idx="0">
-        <a:scrgbClr r="0" g="0" b="0"/>
-      </a:effectRef>
-      <a:fontRef idx="minor">
-        <a:schemeClr val="lt1"/>
-      </a:fontRef>
-    </dgm:style>
-  </dgm:styleLbl>
-  <dgm:styleLbl name="asst3">
-    <dgm:scene3d>
-      <a:camera prst="orthographicFront"/>
-      <a:lightRig rig="threePt" dir="t"/>
-    </dgm:scene3d>
-    <dgm:sp3d/>
-    <dgm:txPr/>
-    <dgm:style>
-      <a:lnRef idx="2">
-        <a:scrgbClr r="0" g="0" b="0"/>
-      </a:lnRef>
-      <a:fillRef idx="1">
-        <a:scrgbClr r="0" g="0" b="0"/>
-      </a:fillRef>
-      <a:effectRef idx="0">
-        <a:scrgbClr r="0" g="0" b="0"/>
-      </a:effectRef>
-      <a:fontRef idx="minor">
-        <a:schemeClr val="lt1"/>
-      </a:fontRef>
-    </dgm:style>
-  </dgm:styleLbl>
-  <dgm:styleLbl name="asst4">
-    <dgm:scene3d>
-      <a:camera prst="orthographicFront"/>
-      <a:lightRig rig="threePt" dir="t"/>
-    </dgm:scene3d>
-    <dgm:sp3d/>
-    <dgm:txPr/>
-    <dgm:style>
-      <a:lnRef idx="2">
-        <a:scrgbClr r="0" g="0" b="0"/>
-      </a:lnRef>
-      <a:fillRef idx="1">
-        <a:scrgbClr r="0" g="0" b="0"/>
-      </a:fillRef>
-      <a:effectRef idx="0">
-        <a:scrgbClr r="0" g="0" b="0"/>
-      </a:effectRef>
-      <a:fontRef idx="minor">
-        <a:schemeClr val="lt1"/>
-      </a:fontRef>
-    </dgm:style>
-  </dgm:styleLbl>
-  <dgm:styleLbl name="parChTrans2D1">
-    <dgm:scene3d>
-      <a:camera prst="orthographicFront"/>
-      <a:lightRig rig="threePt" dir="t"/>
-    </dgm:scene3d>
-    <dgm:sp3d/>
-    <dgm:txPr/>
-    <dgm:style>
-      <a:lnRef idx="2">
-        <a:scrgbClr r="0" g="0" b="0"/>
-      </a:lnRef>
-      <a:fillRef idx="1">
-        <a:scrgbClr r="0" g="0" b="0"/>
-      </a:fillRef>
-      <a:effectRef idx="0">
-        <a:scrgbClr r="0" g="0" b="0"/>
-      </a:effectRef>
-      <a:fontRef idx="minor">
-        <a:schemeClr val="lt1"/>
-      </a:fontRef>
-    </dgm:style>
-  </dgm:styleLbl>
-  <dgm:styleLbl name="parChTrans2D2">
-    <dgm:scene3d>
-      <a:camera prst="orthographicFront"/>
-      <a:lightRig rig="threePt" dir="t"/>
-    </dgm:scene3d>
-    <dgm:sp3d/>
-    <dgm:txPr/>
-    <dgm:style>
-      <a:lnRef idx="2">
-        <a:scrgbClr r="0" g="0" b="0"/>
-      </a:lnRef>
-      <a:fillRef idx="1">
-        <a:scrgbClr r="0" g="0" b="0"/>
-      </a:fillRef>
-      <a:effectRef idx="0">
-        <a:scrgbClr r="0" g="0" b="0"/>
-      </a:effectRef>
-      <a:fontRef idx="minor">
-        <a:schemeClr val="lt1"/>
-      </a:fontRef>
-    </dgm:style>
-  </dgm:styleLbl>
-  <dgm:styleLbl name="parChTrans2D3">
-    <dgm:scene3d>
-      <a:camera prst="orthographicFront"/>
-      <a:lightRig rig="threePt" dir="t"/>
-    </dgm:scene3d>
-    <dgm:sp3d/>
-    <dgm:txPr/>
-    <dgm:style>
-      <a:lnRef idx="2">
-        <a:scrgbClr r="0" g="0" b="0"/>
-      </a:lnRef>
-      <a:fillRef idx="1">
-        <a:scrgbClr r="0" g="0" b="0"/>
-      </a:fillRef>
-      <a:effectRef idx="0">
-        <a:scrgbClr r="0" g="0" b="0"/>
-      </a:effectRef>
-      <a:fontRef idx="minor">
-        <a:schemeClr val="lt1"/>
-      </a:fontRef>
-    </dgm:style>
-  </dgm:styleLbl>
-  <dgm:styleLbl name="parChTrans2D4">
-    <dgm:scene3d>
-      <a:camera prst="orthographicFront"/>
-      <a:lightRig rig="threePt" dir="t"/>
-    </dgm:scene3d>
-    <dgm:sp3d/>
-    <dgm:txPr/>
-    <dgm:style>
-      <a:lnRef idx="2">
-        <a:scrgbClr r="0" g="0" b="0"/>
-      </a:lnRef>
-      <a:fillRef idx="1">
-        <a:scrgbClr r="0" g="0" b="0"/>
-      </a:fillRef>
-      <a:effectRef idx="0">
-        <a:scrgbClr r="0" g="0" b="0"/>
-      </a:effectRef>
-      <a:fontRef idx="minor">
-        <a:schemeClr val="lt1"/>
-      </a:fontRef>
-    </dgm:style>
-  </dgm:styleLbl>
-  <dgm:styleLbl name="parChTrans1D1">
-    <dgm:scene3d>
-      <a:camera prst="orthographicFront"/>
-      <a:lightRig rig="threePt" dir="t"/>
-    </dgm:scene3d>
-    <dgm:sp3d/>
-    <dgm:txPr/>
-    <dgm:style>
-      <a:lnRef idx="2">
-        <a:scrgbClr r="0" g="0" b="0"/>
-      </a:lnRef>
-      <a:fillRef idx="0">
-        <a:scrgbClr r="0" g="0" b="0"/>
-      </a:fillRef>
-      <a:effectRef idx="0">
-        <a:scrgbClr r="0" g="0" b="0"/>
-      </a:effectRef>
-      <a:fontRef idx="minor"/>
-    </dgm:style>
-  </dgm:styleLbl>
-  <dgm:styleLbl name="parChTrans1D2">
-    <dgm:scene3d>
-      <a:camera prst="orthographicFront"/>
-      <a:lightRig rig="threePt" dir="t"/>
-    </dgm:scene3d>
-    <dgm:sp3d/>
-    <dgm:txPr/>
-    <dgm:style>
-      <a:lnRef idx="2">
-        <a:scrgbClr r="0" g="0" b="0"/>
-      </a:lnRef>
-      <a:fillRef idx="0">
-        <a:scrgbClr r="0" g="0" b="0"/>
-      </a:fillRef>
-      <a:effectRef idx="0">
-        <a:scrgbClr r="0" g="0" b="0"/>
-      </a:effectRef>
-      <a:fontRef idx="minor"/>
-    </dgm:style>
-  </dgm:styleLbl>
-  <dgm:styleLbl name="parChTrans1D3">
-    <dgm:scene3d>
-      <a:camera prst="orthographicFront"/>
-      <a:lightRig rig="threePt" dir="t"/>
-    </dgm:scene3d>
-    <dgm:sp3d/>
-    <dgm:txPr/>
-    <dgm:style>
-      <a:lnRef idx="2">
-        <a:scrgbClr r="0" g="0" b="0"/>
-      </a:lnRef>
-      <a:fillRef idx="0">
-        <a:scrgbClr r="0" g="0" b="0"/>
-      </a:fillRef>
-      <a:effectRef idx="0">
-        <a:scrgbClr r="0" g="0" b="0"/>
-      </a:effectRef>
-      <a:fontRef idx="minor"/>
-    </dgm:style>
-  </dgm:styleLbl>
-  <dgm:styleLbl name="parChTrans1D4">
-    <dgm:scene3d>
-      <a:camera prst="orthographicFront"/>
-      <a:lightRig rig="threePt" dir="t"/>
-    </dgm:scene3d>
-    <dgm:sp3d/>
-    <dgm:txPr/>
-    <dgm:style>
-      <a:lnRef idx="2">
-        <a:scrgbClr r="0" g="0" b="0"/>
-      </a:lnRef>
-      <a:fillRef idx="0">
-        <a:scrgbClr r="0" g="0" b="0"/>
-      </a:fillRef>
-      <a:effectRef idx="0">
-        <a:scrgbClr r="0" g="0" b="0"/>
-      </a:effectRef>
-      <a:fontRef idx="minor"/>
-    </dgm:style>
-  </dgm:styleLbl>
-  <dgm:styleLbl name="fgAcc1">
-    <dgm:scene3d>
-      <a:camera prst="orthographicFront"/>
-      <a:lightRig rig="threePt" dir="t"/>
-    </dgm:scene3d>
-    <dgm:sp3d/>
-    <dgm:txPr/>
-    <dgm:style>
-      <a:lnRef idx="2">
-        <a:scrgbClr r="0" g="0" b="0"/>
-      </a:lnRef>
-      <a:fillRef idx="1">
-        <a:scrgbClr r="0" g="0" b="0"/>
-      </a:fillRef>
-      <a:effectRef idx="0">
-        <a:scrgbClr r="0" g="0" b="0"/>
-      </a:effectRef>
-      <a:fontRef idx="minor"/>
-    </dgm:style>
-  </dgm:styleLbl>
-  <dgm:styleLbl name="conFgAcc1">
-    <dgm:scene3d>
-      <a:camera prst="orthographicFront"/>
-      <a:lightRig rig="threePt" dir="t"/>
-    </dgm:scene3d>
-    <dgm:sp3d/>
-    <dgm:txPr/>
-    <dgm:style>
-      <a:lnRef idx="2">
-        <a:scrgbClr r="0" g="0" b="0"/>
-      </a:lnRef>
-      <a:fillRef idx="1">
-        <a:scrgbClr r="0" g="0" b="0"/>
-      </a:fillRef>
-      <a:effectRef idx="0">
-        <a:scrgbClr r="0" g="0" b="0"/>
-      </a:effectRef>
-      <a:fontRef idx="minor"/>
-    </dgm:style>
-  </dgm:styleLbl>
-  <dgm:styleLbl name="alignAcc1">
-    <dgm:scene3d>
-      <a:camera prst="orthographicFront"/>
-      <a:lightRig rig="threePt" dir="t"/>
-    </dgm:scene3d>
-    <dgm:sp3d/>
-    <dgm:txPr/>
-    <dgm:style>
-      <a:lnRef idx="2">
-        <a:scrgbClr r="0" g="0" b="0"/>
-      </a:lnRef>
-      <a:fillRef idx="1">
-        <a:scrgbClr r="0" g="0" b="0"/>
-      </a:fillRef>
-      <a:effectRef idx="0">
-        <a:scrgbClr r="0" g="0" b="0"/>
-      </a:effectRef>
-      <a:fontRef idx="minor"/>
-    </dgm:style>
-  </dgm:styleLbl>
-  <dgm:styleLbl name="trAlignAcc1">
-    <dgm:scene3d>
-      <a:camera prst="orthographicFront"/>
-      <a:lightRig rig="threePt" dir="t"/>
-    </dgm:scene3d>
-    <dgm:sp3d/>
-    <dgm:txPr/>
-    <dgm:style>
-      <a:lnRef idx="1">
-        <a:scrgbClr r="0" g="0" b="0"/>
-      </a:lnRef>
-      <a:fillRef idx="1">
-        <a:scrgbClr r="0" g="0" b="0"/>
-      </a:fillRef>
-      <a:effectRef idx="0">
-        <a:scrgbClr r="0" g="0" b="0"/>
-      </a:effectRef>
-      <a:fontRef idx="minor"/>
-    </dgm:style>
-  </dgm:styleLbl>
-  <dgm:styleLbl name="bgAcc1">
-    <dgm:scene3d>
-      <a:camera prst="orthographicFront"/>
-      <a:lightRig rig="threePt" dir="t"/>
-    </dgm:scene3d>
-    <dgm:sp3d/>
-    <dgm:txPr/>
-    <dgm:style>
-      <a:lnRef idx="2">
-        <a:scrgbClr r="0" g="0" b="0"/>
-      </a:lnRef>
-      <a:fillRef idx="1">
-        <a:scrgbClr r="0" g="0" b="0"/>
-      </a:fillRef>
-      <a:effectRef idx="0">
-        <a:scrgbClr r="0" g="0" b="0"/>
-      </a:effectRef>
-      <a:fontRef idx="minor"/>
-    </dgm:style>
-  </dgm:styleLbl>
-  <dgm:styleLbl name="solidFgAcc1">
-    <dgm:scene3d>
-      <a:camera prst="orthographicFront"/>
-      <a:lightRig rig="threePt" dir="t"/>
-    </dgm:scene3d>
-    <dgm:sp3d/>
-    <dgm:txPr/>
-    <dgm:style>
-      <a:lnRef idx="2">
-        <a:scrgbClr r="0" g="0" b="0"/>
-      </a:lnRef>
-      <a:fillRef idx="1">
-        <a:scrgbClr r="0" g="0" b="0"/>
-      </a:fillRef>
-      <a:effectRef idx="0">
-        <a:scrgbClr r="0" g="0" b="0"/>
-      </a:effectRef>
-      <a:fontRef idx="minor"/>
-    </dgm:style>
-  </dgm:styleLbl>
-  <dgm:styleLbl name="solidAlignAcc1">
-    <dgm:scene3d>
-      <a:camera prst="orthographicFront"/>
-      <a:lightRig rig="threePt" dir="t"/>
-    </dgm:scene3d>
-    <dgm:sp3d/>
-    <dgm:txPr/>
-    <dgm:style>
-      <a:lnRef idx="2">
-        <a:scrgbClr r="0" g="0" b="0"/>
-      </a:lnRef>
-      <a:fillRef idx="1">
-        <a:scrgbClr r="0" g="0" b="0"/>
-      </a:fillRef>
-      <a:effectRef idx="0">
-        <a:scrgbClr r="0" g="0" b="0"/>
-      </a:effectRef>
-      <a:fontRef idx="minor"/>
-    </dgm:style>
-  </dgm:styleLbl>
-  <dgm:styleLbl name="solidBgAcc1">
-    <dgm:scene3d>
-      <a:camera prst="orthographicFront"/>
-      <a:lightRig rig="threePt" dir="t"/>
-    </dgm:scene3d>
-    <dgm:sp3d/>
-    <dgm:txPr/>
-    <dgm:style>
-      <a:lnRef idx="2">
-        <a:scrgbClr r="0" g="0" b="0"/>
-      </a:lnRef>
-      <a:fillRef idx="1">
-        <a:scrgbClr r="0" g="0" b="0"/>
-      </a:fillRef>
-      <a:effectRef idx="0">
-        <a:scrgbClr r="0" g="0" b="0"/>
-      </a:effectRef>
-      <a:fontRef idx="minor"/>
-    </dgm:style>
-  </dgm:styleLbl>
-  <dgm:styleLbl name="fgAccFollowNode1">
-    <dgm:scene3d>
-      <a:camera prst="orthographicFront"/>
-      <a:lightRig rig="threePt" dir="t"/>
-    </dgm:scene3d>
-    <dgm:sp3d/>
-    <dgm:txPr/>
-    <dgm:style>
-      <a:lnRef idx="2">
-        <a:scrgbClr r="0" g="0" b="0"/>
-      </a:lnRef>
-      <a:fillRef idx="1">
-        <a:scrgbClr r="0" g="0" b="0"/>
-      </a:fillRef>
-      <a:effectRef idx="0">
-        <a:scrgbClr r="0" g="0" b="0"/>
-      </a:effectRef>
-      <a:fontRef idx="minor"/>
-    </dgm:style>
-  </dgm:styleLbl>
-  <dgm:styleLbl name="alignAccFollowNode1">
-    <dgm:scene3d>
-      <a:camera prst="orthographicFront"/>
-      <a:lightRig rig="threePt" dir="t"/>
-    </dgm:scene3d>
-    <dgm:sp3d/>
-    <dgm:txPr/>
-    <dgm:style>
-      <a:lnRef idx="2">
-        <a:scrgbClr r="0" g="0" b="0"/>
-      </a:lnRef>
-      <a:fillRef idx="1">
-        <a:scrgbClr r="0" g="0" b="0"/>
-      </a:fillRef>
-      <a:effectRef idx="0">
-        <a:scrgbClr r="0" g="0" b="0"/>
-      </a:effectRef>
-      <a:fontRef idx="minor"/>
-    </dgm:style>
-  </dgm:styleLbl>
-  <dgm:styleLbl name="bgAccFollowNode1">
-    <dgm:scene3d>
-      <a:camera prst="orthographicFront"/>
-      <a:lightRig rig="threePt" dir="t"/>
-    </dgm:scene3d>
-    <dgm:sp3d/>
-    <dgm:txPr/>
-    <dgm:style>
-      <a:lnRef idx="2">
-        <a:scrgbClr r="0" g="0" b="0"/>
-      </a:lnRef>
-      <a:fillRef idx="1">
-        <a:scrgbClr r="0" g="0" b="0"/>
-      </a:fillRef>
-      <a:effectRef idx="0">
-        <a:scrgbClr r="0" g="0" b="0"/>
-      </a:effectRef>
-      <a:fontRef idx="minor"/>
-    </dgm:style>
-  </dgm:styleLbl>
-  <dgm:styleLbl name="fgAcc0">
-    <dgm:scene3d>
-      <a:camera prst="orthographicFront"/>
-      <a:lightRig rig="threePt" dir="t"/>
-    </dgm:scene3d>
-    <dgm:sp3d/>
-    <dgm:txPr/>
-    <dgm:style>
-      <a:lnRef idx="2">
-        <a:scrgbClr r="0" g="0" b="0"/>
-      </a:lnRef>
-      <a:fillRef idx="1">
-        <a:scrgbClr r="0" g="0" b="0"/>
-      </a:fillRef>
-      <a:effectRef idx="0">
-        <a:scrgbClr r="0" g="0" b="0"/>
-      </a:effectRef>
-      <a:fontRef idx="minor"/>
-    </dgm:style>
-  </dgm:styleLbl>
-  <dgm:styleLbl name="fgAcc2">
-    <dgm:scene3d>
-      <a:camera prst="orthographicFront"/>
-      <a:lightRig rig="threePt" dir="t"/>
-    </dgm:scene3d>
-    <dgm:sp3d/>
-    <dgm:txPr/>
-    <dgm:style>
-      <a:lnRef idx="2">
-        <a:scrgbClr r="0" g="0" b="0"/>
-      </a:lnRef>
-      <a:fillRef idx="1">
-        <a:scrgbClr r="0" g="0" b="0"/>
-      </a:fillRef>
-      <a:effectRef idx="0">
-        <a:scrgbClr r="0" g="0" b="0"/>
-      </a:effectRef>
-      <a:fontRef idx="minor"/>
-    </dgm:style>
-  </dgm:styleLbl>
-  <dgm:styleLbl name="fgAcc3">
-    <dgm:scene3d>
-      <a:camera prst="orthographicFront"/>
-      <a:lightRig rig="threePt" dir="t"/>
-    </dgm:scene3d>
-    <dgm:sp3d/>
-    <dgm:txPr/>
-    <dgm:style>
-      <a:lnRef idx="2">
-        <a:scrgbClr r="0" g="0" b="0"/>
-      </a:lnRef>
-      <a:fillRef idx="1">
-        <a:scrgbClr r="0" g="0" b="0"/>
-      </a:fillRef>
-      <a:effectRef idx="0">
-        <a:scrgbClr r="0" g="0" b="0"/>
-      </a:effectRef>
-      <a:fontRef idx="minor"/>
-    </dgm:style>
-  </dgm:styleLbl>
-  <dgm:styleLbl name="fgAcc4">
-    <dgm:scene3d>
-      <a:camera prst="orthographicFront"/>
-      <a:lightRig rig="threePt" dir="t"/>
-    </dgm:scene3d>
-    <dgm:sp3d/>
-    <dgm:txPr/>
-    <dgm:style>
-      <a:lnRef idx="2">
-        <a:scrgbClr r="0" g="0" b="0"/>
-      </a:lnRef>
-      <a:fillRef idx="1">
-        <a:scrgbClr r="0" g="0" b="0"/>
-      </a:fillRef>
-      <a:effectRef idx="0">
-        <a:scrgbClr r="0" g="0" b="0"/>
-      </a:effectRef>
-      <a:fontRef idx="minor"/>
-    </dgm:style>
-  </dgm:styleLbl>
-  <dgm:styleLbl name="bgShp">
-    <dgm:scene3d>
-      <a:camera prst="orthographicFront"/>
-      <a:lightRig rig="threePt" dir="t"/>
-    </dgm:scene3d>
-    <dgm:sp3d/>
-    <dgm:txPr/>
-    <dgm:style>
-      <a:lnRef idx="0">
-        <a:scrgbClr r="0" g="0" b="0"/>
-      </a:lnRef>
-      <a:fillRef idx="1">
-        <a:scrgbClr r="0" g="0" b="0"/>
-      </a:fillRef>
-      <a:effectRef idx="0">
-        <a:scrgbClr r="0" g="0" b="0"/>
-      </a:effectRef>
-      <a:fontRef idx="minor"/>
-    </dgm:style>
-  </dgm:styleLbl>
-  <dgm:styleLbl name="dkBgShp">
-    <dgm:scene3d>
-      <a:camera prst="orthographicFront"/>
-      <a:lightRig rig="threePt" dir="t"/>
-    </dgm:scene3d>
-    <dgm:sp3d/>
-    <dgm:txPr/>
-    <dgm:style>
-      <a:lnRef idx="0">
-        <a:scrgbClr r="0" g="0" b="0"/>
-      </a:lnRef>
-      <a:fillRef idx="1">
-        <a:scrgbClr r="0" g="0" b="0"/>
-      </a:fillRef>
-      <a:effectRef idx="0">
-        <a:scrgbClr r="0" g="0" b="0"/>
-      </a:effectRef>
-      <a:fontRef idx="minor"/>
-    </dgm:style>
-  </dgm:styleLbl>
-  <dgm:styleLbl name="trBgShp">
-    <dgm:scene3d>
-      <a:camera prst="orthographicFront"/>
-      <a:lightRig rig="threePt" dir="t"/>
-    </dgm:scene3d>
-    <dgm:sp3d/>
-    <dgm:txPr/>
-    <dgm:style>
-      <a:lnRef idx="0">
-        <a:scrgbClr r="0" g="0" b="0"/>
-      </a:lnRef>
-      <a:fillRef idx="1">
-        <a:scrgbClr r="0" g="0" b="0"/>
-      </a:fillRef>
-      <a:effectRef idx="0">
-        <a:scrgbClr r="0" g="0" b="0"/>
-      </a:effectRef>
-      <a:fontRef idx="minor"/>
-    </dgm:style>
-  </dgm:styleLbl>
-  <dgm:styleLbl name="fgShp">
-    <dgm:scene3d>
-      <a:camera prst="orthographicFront"/>
-      <a:lightRig rig="threePt" dir="t"/>
-    </dgm:scene3d>
-    <dgm:sp3d/>
-    <dgm:txPr/>
-    <dgm:style>
-      <a:lnRef idx="2">
-        <a:scrgbClr r="0" g="0" b="0"/>
-      </a:lnRef>
-      <a:fillRef idx="1">
-        <a:scrgbClr r="0" g="0" b="0"/>
-      </a:fillRef>
-      <a:effectRef idx="0">
-        <a:scrgbClr r="0" g="0" b="0"/>
-      </a:effectRef>
-      <a:fontRef idx="minor"/>
-    </dgm:style>
-  </dgm:styleLbl>
-  <dgm:styleLbl name="revTx">
-    <dgm:scene3d>
-      <a:camera prst="orthographicFront"/>
-      <a:lightRig rig="threePt" dir="t"/>
-    </dgm:scene3d>
-    <dgm:sp3d/>
-    <dgm:txPr/>
-    <dgm:style>
-      <a:lnRef idx="0">
-        <a:scrgbClr r="0" g="0" b="0"/>
-      </a:lnRef>
-      <a:fillRef idx="0">
-        <a:scrgbClr r="0" g="0" b="0"/>
-      </a:fillRef>
-      <a:effectRef idx="0">
-        <a:scrgbClr r="0" g="0" b="0"/>
-      </a:effectRef>
-      <a:fontRef idx="minor"/>
-    </dgm:style>
-  </dgm:styleLbl>
-</dgm:styleDef>
 </file>
 
 <file path=ppt/slideLayouts/slideLayout1.xml><?xml version="1.0" encoding="utf-8"?>
@@ -6803,11 +4044,13 @@
         <p:spPr>
           <a:xfrm>
             <a:off x="1322906" y="1467294"/>
-            <a:ext cx="9867014" cy="4144926"/>
-          </a:xfrm>
-        </p:spPr>
-        <p:txBody>
-          <a:bodyPr/>
+            <a:ext cx="10386494" cy="5162106"/>
+          </a:xfrm>
+        </p:spPr>
+        <p:txBody>
+          <a:bodyPr>
+            <a:normAutofit/>
+          </a:bodyPr>
           <a:lstStyle/>
           <a:p>
             <a:pPr marL="0" indent="0">
@@ -6820,19 +4063,19 @@
               <a:buNone/>
             </a:pPr>
             <a:r>
+              <a:rPr lang="en-US" sz="2800" dirty="0"/>
+              <a:t>Recommend movies to user based on their basic movie preferences</a:t>
+            </a:r>
+          </a:p>
+          <a:p>
+            <a:r>
               <a:rPr lang="en-US" sz="2400" dirty="0"/>
-              <a:t>Recommend movies to user based on their basic movie preferences</a:t>
-            </a:r>
-          </a:p>
-          <a:p>
-            <a:r>
-              <a:rPr lang="en-US" dirty="0"/>
               <a:t>New user inputs 3 random movies they like</a:t>
             </a:r>
           </a:p>
           <a:p>
             <a:r>
-              <a:rPr lang="en-US" dirty="0"/>
+              <a:rPr lang="en-US" sz="2400" dirty="0"/>
               <a:t>Filter through movie database to narrow down recommendations</a:t>
             </a:r>
           </a:p>
@@ -6840,39 +4083,39 @@
             <a:pPr marL="0" indent="0">
               <a:buNone/>
             </a:pPr>
-            <a:endParaRPr lang="en-US" dirty="0"/>
+            <a:endParaRPr lang="en-US" sz="2400" dirty="0"/>
           </a:p>
           <a:p>
             <a:pPr marL="0" indent="0">
               <a:buNone/>
             </a:pPr>
             <a:r>
+              <a:rPr lang="en-US" sz="2800" dirty="0"/>
+              <a:t>Potential use cases</a:t>
+            </a:r>
+          </a:p>
+          <a:p>
+            <a:r>
               <a:rPr lang="en-US" sz="2400" dirty="0"/>
-              <a:t>Potential use cases</a:t>
-            </a:r>
-          </a:p>
-          <a:p>
-            <a:r>
-              <a:rPr lang="en-US" dirty="0"/>
               <a:t>Applications &amp; websites for users (</a:t>
             </a:r>
             <a:r>
-              <a:rPr lang="en-US" dirty="0" err="1"/>
+              <a:rPr lang="en-US" sz="2400" dirty="0" err="1"/>
               <a:t>i.e</a:t>
             </a:r>
             <a:r>
-              <a:rPr lang="en-US" dirty="0"/>
+              <a:rPr lang="en-US" sz="2400" dirty="0"/>
               <a:t> movies, e-books, games)</a:t>
             </a:r>
           </a:p>
           <a:p>
             <a:r>
-              <a:rPr lang="en-US" dirty="0"/>
+              <a:rPr lang="en-US" sz="2400" dirty="0"/>
               <a:t>Products &amp; Sales websites (clothing, health &amp; skin care products, nutrition and food)</a:t>
             </a:r>
           </a:p>
           <a:p>
-            <a:endParaRPr lang="en-US" dirty="0"/>
+            <a:endParaRPr lang="en-US" sz="2800" dirty="0"/>
           </a:p>
           <a:p>
             <a:pPr marL="0" indent="0">
@@ -6978,17 +4221,21 @@
           <a:lstStyle/>
           <a:p>
             <a:r>
+              <a:rPr lang="en-US" b="1" dirty="0"/>
+              <a:t>Splinter</a:t>
+            </a:r>
+            <a:r>
               <a:rPr lang="en-US" dirty="0"/>
-              <a:t>Splinter: web scraping</a:t>
-            </a:r>
-          </a:p>
-          <a:p>
-            <a:r>
-              <a:rPr lang="en-US" dirty="0"/>
-              <a:t>Pandas; &amp; </a:t>
-            </a:r>
-            <a:r>
-              <a:rPr lang="en-US" dirty="0" err="1"/>
+              <a:t>: web scraping</a:t>
+            </a:r>
+          </a:p>
+          <a:p>
+            <a:r>
+              <a:rPr lang="en-US" b="1" dirty="0"/>
+              <a:t>Pandas &amp; </a:t>
+            </a:r>
+            <a:r>
+              <a:rPr lang="en-US" b="1" dirty="0" err="1"/>
               <a:t>pgAdmin</a:t>
             </a:r>
             <a:r>
@@ -6998,38 +4245,38 @@
           </a:p>
           <a:p>
             <a:r>
+              <a:rPr lang="en-US" b="1" dirty="0"/>
+              <a:t>PostgreSQL &amp; S3 Bucket</a:t>
+            </a:r>
+            <a:r>
               <a:rPr lang="en-US" dirty="0"/>
-              <a:t>PostgreSQL &amp; S3 Bucket: stores images</a:t>
-            </a:r>
-          </a:p>
-          <a:p>
-            <a:r>
-              <a:rPr lang="en-US" dirty="0" err="1"/>
+              <a:t>: movie database and image storage</a:t>
+            </a:r>
+          </a:p>
+          <a:p>
+            <a:r>
+              <a:rPr lang="en-US" b="1" dirty="0" err="1"/>
               <a:t>Scikitlearn</a:t>
             </a:r>
             <a:r>
-              <a:rPr lang="en-US" dirty="0"/>
+              <a:rPr lang="en-US" b="1" dirty="0"/>
               <a:t>, </a:t>
             </a:r>
             <a:r>
-              <a:rPr lang="en-US" dirty="0" err="1"/>
-              <a:t>scipy</a:t>
-            </a:r>
-            <a:r>
-              <a:rPr lang="en-US" dirty="0"/>
+              <a:rPr lang="en-US" b="1" dirty="0" err="1"/>
+              <a:t>Scipy</a:t>
+            </a:r>
+            <a:r>
+              <a:rPr lang="en-US" b="1" dirty="0"/>
               <a:t>, and </a:t>
             </a:r>
             <a:r>
-              <a:rPr lang="en-US" dirty="0" err="1"/>
-              <a:t>joblib</a:t>
-            </a:r>
-            <a:r>
-              <a:rPr lang="en-US" dirty="0"/>
-              <a:t>, fuzzy </a:t>
-            </a:r>
-            <a:r>
-              <a:rPr lang="en-US" dirty="0" err="1"/>
-              <a:t>wuzzy</a:t>
+              <a:rPr lang="en-US" b="1" dirty="0" err="1"/>
+              <a:t>Joblib</a:t>
+            </a:r>
+            <a:r>
+              <a:rPr lang="en-US" b="1" dirty="0"/>
+              <a:t>, Fuzzy Wuzzy</a:t>
             </a:r>
             <a:r>
               <a:rPr lang="en-US" dirty="0"/>
@@ -7038,24 +4285,36 @@
           </a:p>
           <a:p>
             <a:r>
+              <a:rPr lang="en-US" b="1" dirty="0"/>
+              <a:t>Flask</a:t>
+            </a:r>
+            <a:r>
               <a:rPr lang="en-US" dirty="0"/>
-              <a:t>Flask: backend</a:t>
-            </a:r>
-          </a:p>
-          <a:p>
-            <a:r>
-              <a:rPr lang="en-US" dirty="0" err="1"/>
+              <a:t>: backend</a:t>
+            </a:r>
+          </a:p>
+          <a:p>
+            <a:r>
+              <a:rPr lang="en-US" b="1" dirty="0" err="1"/>
               <a:t>Javascript</a:t>
             </a:r>
             <a:r>
+              <a:rPr lang="en-US" b="1" dirty="0"/>
+              <a:t>, Bootstrap, HTML/CSS, jQuery</a:t>
+            </a:r>
+            <a:r>
               <a:rPr lang="en-US" dirty="0"/>
-              <a:t>, Bootstrap, HTML/CSS, jQuery: frontend/display</a:t>
-            </a:r>
-          </a:p>
-          <a:p>
+              <a:t>: frontend/display</a:t>
+            </a:r>
+          </a:p>
+          <a:p>
+            <a:r>
+              <a:rPr lang="en-US" b="1" dirty="0"/>
+              <a:t>AWS</a:t>
+            </a:r>
             <a:r>
               <a:rPr lang="en-US" dirty="0"/>
-              <a:t>AWS: host website</a:t>
+              <a:t>: host website</a:t>
             </a:r>
           </a:p>
           <a:p>
@@ -7406,13 +4665,13 @@
         </p:nvSpPr>
         <p:spPr>
           <a:xfrm>
-            <a:off x="1371600" y="1638299"/>
-            <a:ext cx="9601200" cy="4826295"/>
+            <a:off x="1219200" y="1562099"/>
+            <a:ext cx="9601200" cy="4800601"/>
           </a:xfrm>
         </p:spPr>
         <p:txBody>
           <a:bodyPr>
-            <a:normAutofit fontScale="85000" lnSpcReduction="10000"/>
+            <a:normAutofit fontScale="62500" lnSpcReduction="20000"/>
           </a:bodyPr>
           <a:lstStyle/>
           <a:p>
@@ -7420,42 +4679,42 @@
               <a:buNone/>
             </a:pPr>
             <a:r>
-              <a:rPr lang="en-US" sz="2400" dirty="0"/>
+              <a:rPr lang="en-US" sz="2800" b="1" dirty="0"/>
               <a:t>Extraction</a:t>
             </a:r>
           </a:p>
           <a:p>
             <a:r>
-              <a:rPr lang="en-US" dirty="0"/>
+              <a:rPr lang="en-US" sz="2800" dirty="0"/>
               <a:t>Data source: </a:t>
             </a:r>
             <a:r>
-              <a:rPr lang="en-US" dirty="0" err="1"/>
+              <a:rPr lang="en-US" sz="2800" dirty="0" err="1"/>
               <a:t>MovieLens</a:t>
             </a:r>
             <a:r>
-              <a:rPr lang="en-US" dirty="0"/>
+              <a:rPr lang="en-US" sz="2800" dirty="0"/>
               <a:t> </a:t>
             </a:r>
           </a:p>
           <a:p>
             <a:pPr lvl="1"/>
             <a:r>
-              <a:rPr lang="en-US" dirty="0"/>
+              <a:rPr lang="en-US" sz="2800" dirty="0"/>
               <a:t>Reviews from 1995-2008</a:t>
             </a:r>
           </a:p>
           <a:p>
             <a:r>
-              <a:rPr lang="en-US" dirty="0"/>
-              <a:t>Original Dataset: CSV containing 27.7 million rows of ratings scrapped from  </a:t>
-            </a:r>
-            <a:r>
-              <a:rPr lang="en-US" dirty="0" err="1"/>
+              <a:rPr lang="en-US" sz="2800" dirty="0"/>
+              <a:t>Original Dataset: CSV containing 27.7 million rows of ratings scrapped from </a:t>
+            </a:r>
+            <a:r>
+              <a:rPr lang="en-US" sz="2800" dirty="0" err="1"/>
               <a:t>MovieLens</a:t>
             </a:r>
             <a:r>
-              <a:rPr lang="en-US" dirty="0"/>
+              <a:rPr lang="en-US" sz="2800" dirty="0"/>
               <a:t> subscribers</a:t>
             </a:r>
           </a:p>
@@ -7463,34 +4722,34 @@
             <a:pPr marL="0" indent="0">
               <a:buNone/>
             </a:pPr>
-            <a:endParaRPr lang="en-US" dirty="0"/>
+            <a:endParaRPr lang="en-US" sz="2800" dirty="0"/>
           </a:p>
           <a:p>
             <a:pPr marL="0" indent="0">
               <a:buNone/>
             </a:pPr>
             <a:r>
-              <a:rPr lang="en-US" sz="2400" dirty="0"/>
+              <a:rPr lang="en-US" sz="2800" b="1" dirty="0"/>
               <a:t>Transformation</a:t>
             </a:r>
           </a:p>
           <a:p>
             <a:r>
-              <a:rPr lang="en-US" dirty="0"/>
+              <a:rPr lang="en-US" sz="2800" dirty="0"/>
               <a:t>Filtered to include only movies reviewed 75x or more leaving us with 26.8 million reviews</a:t>
             </a:r>
           </a:p>
           <a:p>
             <a:pPr lvl="1"/>
             <a:r>
-              <a:rPr lang="en-US" dirty="0"/>
+              <a:rPr lang="en-US" sz="2800" dirty="0"/>
               <a:t>282,000 reviewers</a:t>
             </a:r>
           </a:p>
           <a:p>
             <a:pPr lvl="1"/>
             <a:r>
-              <a:rPr lang="en-US" dirty="0"/>
+              <a:rPr lang="en-US" sz="2800" dirty="0"/>
               <a:t>8,000+ movies</a:t>
             </a:r>
           </a:p>
@@ -7498,41 +4757,41 @@
             <a:pPr marL="0" indent="0">
               <a:buNone/>
             </a:pPr>
-            <a:endParaRPr lang="en-US" dirty="0"/>
+            <a:endParaRPr lang="en-US" sz="2800" dirty="0"/>
           </a:p>
           <a:p>
             <a:pPr marL="0" indent="0">
               <a:buNone/>
             </a:pPr>
             <a:r>
-              <a:rPr lang="en-US" sz="2400" dirty="0"/>
+              <a:rPr lang="en-US" sz="2800" b="1" dirty="0"/>
               <a:t>Loading</a:t>
             </a:r>
           </a:p>
           <a:p>
             <a:r>
-              <a:rPr lang="en-US" sz="2400" dirty="0"/>
+              <a:rPr lang="en-US" sz="2800" dirty="0"/>
               <a:t>PostgreSQL database</a:t>
             </a:r>
           </a:p>
           <a:p>
             <a:r>
-              <a:rPr lang="en-US" sz="2400" dirty="0"/>
+              <a:rPr lang="en-US" sz="2800" dirty="0"/>
               <a:t>Two tables: large, filtered dataset &amp; list of TMDB </a:t>
             </a:r>
             <a:r>
-              <a:rPr lang="en-US" sz="2400" dirty="0" err="1"/>
+              <a:rPr lang="en-US" sz="2800" dirty="0" err="1"/>
               <a:t>i.d.s</a:t>
             </a:r>
             <a:r>
-              <a:rPr lang="en-US" sz="2400" dirty="0"/>
+              <a:rPr lang="en-US" sz="2800" dirty="0"/>
               <a:t> and IMDB </a:t>
             </a:r>
             <a:r>
-              <a:rPr lang="en-US" sz="2400" dirty="0" err="1"/>
+              <a:rPr lang="en-US" sz="2800" dirty="0" err="1"/>
               <a:t>i.d.s</a:t>
             </a:r>
-            <a:endParaRPr lang="en-US" sz="2400" dirty="0"/>
+            <a:endParaRPr lang="en-US" sz="2800" dirty="0"/>
           </a:p>
           <a:p>
             <a:endParaRPr lang="en-US" sz="2400" dirty="0"/>
@@ -7584,41 +4843,116 @@
           <a:chExt cx="0" cy="0"/>
         </a:xfrm>
       </p:grpSpPr>
-      <p:graphicFrame>
-        <p:nvGraphicFramePr>
-          <p:cNvPr id="4" name="Content Placeholder 3">
+      <p:sp>
+        <p:nvSpPr>
+          <p:cNvPr id="2" name="Title 1">
             <a:extLst>
               <a:ext uri="{FF2B5EF4-FFF2-40B4-BE49-F238E27FC236}">
-                <a16:creationId xmlns:a16="http://schemas.microsoft.com/office/drawing/2014/main" id="{829F990B-0FDE-46F4-A6EA-2A56A0014BB2}"/>
+                <a16:creationId xmlns:a16="http://schemas.microsoft.com/office/drawing/2014/main" id="{C4CB369D-D63C-42D0-86C3-5EC27243B007}"/>
               </a:ext>
             </a:extLst>
           </p:cNvPr>
-          <p:cNvGraphicFramePr>
-            <a:graphicFrameLocks noGrp="1"/>
-          </p:cNvGraphicFramePr>
+          <p:cNvSpPr>
+            <a:spLocks noGrp="1"/>
+          </p:cNvSpPr>
+          <p:nvPr>
+            <p:ph type="title"/>
+          </p:nvPr>
+        </p:nvSpPr>
+        <p:spPr>
+          <a:xfrm>
+            <a:off x="1371600" y="685800"/>
+            <a:ext cx="9601200" cy="914400"/>
+          </a:xfrm>
+        </p:spPr>
+        <p:txBody>
+          <a:bodyPr/>
+          <a:lstStyle/>
+          <a:p>
+            <a:r>
+              <a:rPr lang="en-US" b="1" u="sng" dirty="0"/>
+              <a:t>Application Layout:</a:t>
+            </a:r>
+          </a:p>
+        </p:txBody>
+      </p:sp>
+      <p:sp>
+        <p:nvSpPr>
+          <p:cNvPr id="3" name="Content Placeholder 2">
+            <a:extLst>
+              <a:ext uri="{FF2B5EF4-FFF2-40B4-BE49-F238E27FC236}">
+                <a16:creationId xmlns:a16="http://schemas.microsoft.com/office/drawing/2014/main" id="{DB6FEF8D-D392-4514-B250-A74A4B924F0E}"/>
+              </a:ext>
+            </a:extLst>
+          </p:cNvPr>
+          <p:cNvSpPr>
+            <a:spLocks noGrp="1"/>
+          </p:cNvSpPr>
           <p:nvPr>
             <p:ph idx="1"/>
-            <p:extLst>
-              <p:ext uri="{D42A27DB-BD31-4B8C-83A1-F6EECF244321}">
-                <p14:modId xmlns:p14="http://schemas.microsoft.com/office/powerpoint/2010/main" val="3894361201"/>
-              </p:ext>
-            </p:extLst>
-          </p:nvPr>
-        </p:nvGraphicFramePr>
-        <p:xfrm>
-          <a:off x="1371600" y="422031"/>
-          <a:ext cx="9601200" cy="5445369"/>
-        </p:xfrm>
-        <a:graphic>
-          <a:graphicData uri="http://schemas.openxmlformats.org/drawingml/2006/diagram">
-            <dgm:relIds xmlns:dgm="http://schemas.openxmlformats.org/drawingml/2006/diagram" xmlns:r="http://schemas.openxmlformats.org/officeDocument/2006/relationships" r:dm="rId2" r:lo="rId3" r:qs="rId4" r:cs="rId5"/>
-          </a:graphicData>
-        </a:graphic>
-      </p:graphicFrame>
+          </p:nvPr>
+        </p:nvSpPr>
+        <p:spPr>
+          <a:xfrm>
+            <a:off x="1371600" y="1841500"/>
+            <a:ext cx="9601200" cy="4025900"/>
+          </a:xfrm>
+        </p:spPr>
+        <p:txBody>
+          <a:bodyPr>
+            <a:normAutofit fontScale="92500"/>
+          </a:bodyPr>
+          <a:lstStyle/>
+          <a:p>
+            <a:r>
+              <a:rPr lang="en-US" sz="2800" dirty="0"/>
+              <a:t>Create wireframe for the website</a:t>
+            </a:r>
+          </a:p>
+          <a:p>
+            <a:r>
+              <a:rPr lang="en-US" sz="2800" dirty="0"/>
+              <a:t>Used Python to web scrape 8000+ movie posters  </a:t>
+            </a:r>
+          </a:p>
+          <a:p>
+            <a:r>
+              <a:rPr lang="en-US" sz="2800" dirty="0"/>
+              <a:t>Used AWS s3 to store posters </a:t>
+            </a:r>
+          </a:p>
+          <a:p>
+            <a:r>
+              <a:rPr lang="en-US" sz="2800" dirty="0"/>
+              <a:t>Flask then serves movie information from database to the client </a:t>
+            </a:r>
+          </a:p>
+          <a:p>
+            <a:r>
+              <a:rPr lang="en-US" sz="2800" dirty="0"/>
+              <a:t>-Users select movies, </a:t>
+            </a:r>
+            <a:r>
+              <a:rPr lang="en-US" sz="2800" dirty="0" err="1"/>
+              <a:t>javascript</a:t>
+            </a:r>
+            <a:r>
+              <a:rPr lang="en-US" sz="2800" dirty="0"/>
+              <a:t> then passes that data to Flask and ML model </a:t>
+            </a:r>
+          </a:p>
+          <a:p>
+            <a:r>
+              <a:rPr lang="en-US" sz="2800" dirty="0"/>
+              <a:t>-Flask then sends recommended movies to client and HTML where user can view recommendations and posters</a:t>
+            </a:r>
+          </a:p>
+        </p:txBody>
+      </p:sp>
     </p:spTree>
     <p:extLst>
       <p:ext uri="{BB962C8B-B14F-4D97-AF65-F5344CB8AC3E}">
-        <p14:creationId xmlns:p14="http://schemas.microsoft.com/office/powerpoint/2010/main" val="4253180399"/>
+        <p14:creationId xmlns:p14="http://schemas.microsoft.com/office/powerpoint/2010/main" val="1072730140"/>
       </p:ext>
     </p:extLst>
   </p:cSld>
@@ -7650,6 +4984,191 @@
           <p:cNvPr id="2" name="Title 1">
             <a:extLst>
               <a:ext uri="{FF2B5EF4-FFF2-40B4-BE49-F238E27FC236}">
+                <a16:creationId xmlns:a16="http://schemas.microsoft.com/office/drawing/2014/main" id="{B876075B-6ADE-4DFF-A878-F4F51B8FD7FA}"/>
+              </a:ext>
+            </a:extLst>
+          </p:cNvPr>
+          <p:cNvSpPr>
+            <a:spLocks noGrp="1"/>
+          </p:cNvSpPr>
+          <p:nvPr>
+            <p:ph type="title"/>
+          </p:nvPr>
+        </p:nvSpPr>
+        <p:spPr>
+          <a:xfrm>
+            <a:off x="1371600" y="685800"/>
+            <a:ext cx="9601200" cy="800100"/>
+          </a:xfrm>
+        </p:spPr>
+        <p:txBody>
+          <a:bodyPr>
+            <a:normAutofit/>
+          </a:bodyPr>
+          <a:lstStyle/>
+          <a:p>
+            <a:r>
+              <a:rPr lang="en-US" b="1" u="sng" dirty="0"/>
+              <a:t>Machine Learning:</a:t>
+            </a:r>
+          </a:p>
+        </p:txBody>
+      </p:sp>
+      <p:sp>
+        <p:nvSpPr>
+          <p:cNvPr id="3" name="Content Placeholder 2">
+            <a:extLst>
+              <a:ext uri="{FF2B5EF4-FFF2-40B4-BE49-F238E27FC236}">
+                <a16:creationId xmlns:a16="http://schemas.microsoft.com/office/drawing/2014/main" id="{7F2D1930-0ED1-4AE1-9214-9F736AED6218}"/>
+              </a:ext>
+            </a:extLst>
+          </p:cNvPr>
+          <p:cNvSpPr>
+            <a:spLocks noGrp="1"/>
+          </p:cNvSpPr>
+          <p:nvPr>
+            <p:ph idx="1"/>
+          </p:nvPr>
+        </p:nvSpPr>
+        <p:spPr>
+          <a:xfrm>
+            <a:off x="1371600" y="1701800"/>
+            <a:ext cx="9601200" cy="4165600"/>
+          </a:xfrm>
+        </p:spPr>
+        <p:txBody>
+          <a:bodyPr/>
+          <a:lstStyle/>
+          <a:p>
+            <a:endParaRPr lang="en-US" dirty="0"/>
+          </a:p>
+        </p:txBody>
+      </p:sp>
+    </p:spTree>
+    <p:extLst>
+      <p:ext uri="{BB962C8B-B14F-4D97-AF65-F5344CB8AC3E}">
+        <p14:creationId xmlns:p14="http://schemas.microsoft.com/office/powerpoint/2010/main" val="3674879920"/>
+      </p:ext>
+    </p:extLst>
+  </p:cSld>
+  <p:clrMapOvr>
+    <a:masterClrMapping/>
+  </p:clrMapOvr>
+</p:sld>
+</file>
+
+<file path=ppt/slides/slide7.xml><?xml version="1.0" encoding="utf-8"?>
+<p:sld xmlns:a="http://schemas.openxmlformats.org/drawingml/2006/main" xmlns:r="http://schemas.openxmlformats.org/officeDocument/2006/relationships" xmlns:p="http://schemas.openxmlformats.org/presentationml/2006/main">
+  <p:cSld>
+    <p:spTree>
+      <p:nvGrpSpPr>
+        <p:cNvPr id="1" name=""/>
+        <p:cNvGrpSpPr/>
+        <p:nvPr/>
+      </p:nvGrpSpPr>
+      <p:grpSpPr>
+        <a:xfrm>
+          <a:off x="0" y="0"/>
+          <a:ext cx="0" cy="0"/>
+          <a:chOff x="0" y="0"/>
+          <a:chExt cx="0" cy="0"/>
+        </a:xfrm>
+      </p:grpSpPr>
+      <p:sp>
+        <p:nvSpPr>
+          <p:cNvPr id="2" name="Title 1">
+            <a:extLst>
+              <a:ext uri="{FF2B5EF4-FFF2-40B4-BE49-F238E27FC236}">
+                <a16:creationId xmlns:a16="http://schemas.microsoft.com/office/drawing/2014/main" id="{07490655-1F57-46DA-8831-481BC81BF396}"/>
+              </a:ext>
+            </a:extLst>
+          </p:cNvPr>
+          <p:cNvSpPr>
+            <a:spLocks noGrp="1"/>
+          </p:cNvSpPr>
+          <p:nvPr>
+            <p:ph type="title"/>
+          </p:nvPr>
+        </p:nvSpPr>
+        <p:spPr>
+          <a:xfrm>
+            <a:off x="1371600" y="419100"/>
+            <a:ext cx="9601200" cy="1154968"/>
+          </a:xfrm>
+        </p:spPr>
+        <p:txBody>
+          <a:bodyPr/>
+          <a:lstStyle/>
+          <a:p>
+            <a:endParaRPr lang="en-US" dirty="0"/>
+          </a:p>
+        </p:txBody>
+      </p:sp>
+      <p:pic>
+        <p:nvPicPr>
+          <p:cNvPr id="3" name="Picture 2">
+            <a:extLst>
+              <a:ext uri="{FF2B5EF4-FFF2-40B4-BE49-F238E27FC236}">
+                <a16:creationId xmlns:a16="http://schemas.microsoft.com/office/drawing/2014/main" id="{5A8B7A49-B619-4581-9054-D1EA03239218}"/>
+              </a:ext>
+            </a:extLst>
+          </p:cNvPr>
+          <p:cNvPicPr>
+            <a:picLocks noChangeAspect="1"/>
+          </p:cNvPicPr>
+          <p:nvPr/>
+        </p:nvPicPr>
+        <p:blipFill>
+          <a:blip r:embed="rId2"/>
+          <a:stretch>
+            <a:fillRect/>
+          </a:stretch>
+        </p:blipFill>
+        <p:spPr>
+          <a:xfrm>
+            <a:off x="1473200" y="1816100"/>
+            <a:ext cx="9499600" cy="4915631"/>
+          </a:xfrm>
+          <a:prstGeom prst="rect">
+            <a:avLst/>
+          </a:prstGeom>
+        </p:spPr>
+      </p:pic>
+    </p:spTree>
+    <p:extLst>
+      <p:ext uri="{BB962C8B-B14F-4D97-AF65-F5344CB8AC3E}">
+        <p14:creationId xmlns:p14="http://schemas.microsoft.com/office/powerpoint/2010/main" val="2965428717"/>
+      </p:ext>
+    </p:extLst>
+  </p:cSld>
+  <p:clrMapOvr>
+    <a:masterClrMapping/>
+  </p:clrMapOvr>
+</p:sld>
+</file>
+
+<file path=ppt/slides/slide8.xml><?xml version="1.0" encoding="utf-8"?>
+<p:sld xmlns:a="http://schemas.openxmlformats.org/drawingml/2006/main" xmlns:r="http://schemas.openxmlformats.org/officeDocument/2006/relationships" xmlns:p="http://schemas.openxmlformats.org/presentationml/2006/main">
+  <p:cSld>
+    <p:spTree>
+      <p:nvGrpSpPr>
+        <p:cNvPr id="1" name=""/>
+        <p:cNvGrpSpPr/>
+        <p:nvPr/>
+      </p:nvGrpSpPr>
+      <p:grpSpPr>
+        <a:xfrm>
+          <a:off x="0" y="0"/>
+          <a:ext cx="0" cy="0"/>
+          <a:chOff x="0" y="0"/>
+          <a:chExt cx="0" cy="0"/>
+        </a:xfrm>
+      </p:grpSpPr>
+      <p:sp>
+        <p:nvSpPr>
+          <p:cNvPr id="2" name="Title 1">
+            <a:extLst>
+              <a:ext uri="{FF2B5EF4-FFF2-40B4-BE49-F238E27FC236}">
                 <a16:creationId xmlns:a16="http://schemas.microsoft.com/office/drawing/2014/main" id="{9490C351-4CBC-4B7B-BC18-060FFE217A85}"/>
               </a:ext>
             </a:extLst>
@@ -7787,7 +5306,7 @@
 </p:sld>
 </file>
 
-<file path=ppt/slides/slide7.xml><?xml version="1.0" encoding="utf-8"?>
+<file path=ppt/slides/slide9.xml><?xml version="1.0" encoding="utf-8"?>
 <p:sld xmlns:a="http://schemas.openxmlformats.org/drawingml/2006/main" xmlns:r="http://schemas.openxmlformats.org/officeDocument/2006/relationships" xmlns:p="http://schemas.openxmlformats.org/presentationml/2006/main">
   <p:cSld>
     <p:spTree>
